--- a/PDToolDocs/docs/01 PDTool Training - Introduction v2.1.pptx
+++ b/PDToolDocs/docs/01 PDTool Training - Introduction v2.1.pptx
@@ -951,18 +951,13 @@
         <a:lstStyle/>
         <a:p>
           <a:r>
-            <a:rPr lang="en-US" dirty="0" smtClean="0">
+            <a:rPr lang="en-US" dirty="0">
               <a:solidFill>
                 <a:schemeClr val="tx1"/>
               </a:solidFill>
             </a:rPr>
             <a:t>License</a:t>
           </a:r>
-          <a:endParaRPr lang="en-US" dirty="0">
-            <a:solidFill>
-              <a:schemeClr val="tx1"/>
-            </a:solidFill>
-          </a:endParaRPr>
         </a:p>
       </dgm:t>
     </dgm:pt>
@@ -1005,18 +1000,13 @@
         <a:lstStyle/>
         <a:p>
           <a:r>
-            <a:rPr lang="en-US" dirty="0" smtClean="0">
+            <a:rPr lang="en-US" dirty="0">
               <a:solidFill>
                 <a:srgbClr val="000000"/>
               </a:solidFill>
             </a:rPr>
             <a:t>Philosophy</a:t>
           </a:r>
-          <a:endParaRPr lang="en-US" dirty="0">
-            <a:solidFill>
-              <a:srgbClr val="000000"/>
-            </a:solidFill>
-          </a:endParaRPr>
         </a:p>
       </dgm:t>
     </dgm:pt>
@@ -1059,18 +1049,13 @@
         <a:lstStyle/>
         <a:p>
           <a:r>
-            <a:rPr lang="en-US" dirty="0" smtClean="0">
+            <a:rPr lang="en-US" dirty="0">
               <a:solidFill>
                 <a:srgbClr val="000000"/>
               </a:solidFill>
             </a:rPr>
             <a:t>Audience and Roles</a:t>
           </a:r>
-          <a:endParaRPr lang="en-US" dirty="0">
-            <a:solidFill>
-              <a:srgbClr val="000000"/>
-            </a:solidFill>
-          </a:endParaRPr>
         </a:p>
       </dgm:t>
     </dgm:pt>
@@ -1113,18 +1098,13 @@
         <a:lstStyle/>
         <a:p>
           <a:r>
-            <a:rPr lang="en-US" dirty="0" smtClean="0">
+            <a:rPr lang="en-US" dirty="0">
               <a:solidFill>
                 <a:srgbClr val="000000"/>
               </a:solidFill>
             </a:rPr>
             <a:t>Introduction</a:t>
           </a:r>
-          <a:endParaRPr lang="en-US" dirty="0">
-            <a:solidFill>
-              <a:srgbClr val="000000"/>
-            </a:solidFill>
-          </a:endParaRPr>
         </a:p>
       </dgm:t>
     </dgm:pt>
@@ -1167,18 +1147,13 @@
         <a:lstStyle/>
         <a:p>
           <a:r>
-            <a:rPr lang="en-US" dirty="0" smtClean="0">
+            <a:rPr lang="en-US" dirty="0">
               <a:solidFill>
                 <a:srgbClr val="000000"/>
               </a:solidFill>
             </a:rPr>
             <a:t>Features</a:t>
           </a:r>
-          <a:endParaRPr lang="en-US" dirty="0">
-            <a:solidFill>
-              <a:srgbClr val="000000"/>
-            </a:solidFill>
-          </a:endParaRPr>
         </a:p>
       </dgm:t>
     </dgm:pt>
@@ -1221,18 +1196,13 @@
         <a:lstStyle/>
         <a:p>
           <a:r>
-            <a:rPr lang="en-US" dirty="0" smtClean="0">
+            <a:rPr lang="en-US" dirty="0">
               <a:solidFill>
                 <a:srgbClr val="000000"/>
               </a:solidFill>
             </a:rPr>
             <a:t>Overview</a:t>
           </a:r>
-          <a:endParaRPr lang="en-US" dirty="0">
-            <a:solidFill>
-              <a:srgbClr val="000000"/>
-            </a:solidFill>
-          </a:endParaRPr>
         </a:p>
       </dgm:t>
     </dgm:pt>
@@ -1275,18 +1245,13 @@
         <a:lstStyle/>
         <a:p>
           <a:r>
-            <a:rPr lang="en-US" dirty="0" smtClean="0">
+            <a:rPr lang="en-US" dirty="0">
               <a:solidFill>
                 <a:srgbClr val="000000"/>
               </a:solidFill>
             </a:rPr>
             <a:t>Deployment Swim Lane Matrix</a:t>
           </a:r>
-          <a:endParaRPr lang="en-US" dirty="0">
-            <a:solidFill>
-              <a:srgbClr val="000000"/>
-            </a:solidFill>
-          </a:endParaRPr>
         </a:p>
       </dgm:t>
     </dgm:pt>
@@ -1321,13 +1286,6 @@
         </dgm:presLayoutVars>
       </dgm:prSet>
       <dgm:spPr/>
-      <dgm:t>
-        <a:bodyPr/>
-        <a:lstStyle/>
-        <a:p>
-          <a:endParaRPr lang="en-US"/>
-        </a:p>
-      </dgm:t>
     </dgm:pt>
     <dgm:pt modelId="{7AAFA9DE-92A0-5D49-8DD0-F9E1AA0FBBFA}" type="pres">
       <dgm:prSet presAssocID="{E5C05183-796F-3443-B148-2CADE8C9E234}" presName="Name1" presStyleCnt="0"/>
@@ -1344,13 +1302,6 @@
     <dgm:pt modelId="{15DB3670-5075-F24F-8C04-41BB60CFA772}" type="pres">
       <dgm:prSet presAssocID="{E5C05183-796F-3443-B148-2CADE8C9E234}" presName="conn" presStyleLbl="parChTrans1D2" presStyleIdx="0" presStyleCnt="1"/>
       <dgm:spPr/>
-      <dgm:t>
-        <a:bodyPr/>
-        <a:lstStyle/>
-        <a:p>
-          <a:endParaRPr lang="en-US"/>
-        </a:p>
-      </dgm:t>
     </dgm:pt>
     <dgm:pt modelId="{E1428C3D-B0C2-6546-B5C7-F74A61419FC5}" type="pres">
       <dgm:prSet presAssocID="{E5C05183-796F-3443-B148-2CADE8C9E234}" presName="extraNode" presStyleLbl="node1" presStyleIdx="0" presStyleCnt="7"/>
@@ -1367,13 +1318,6 @@
         </dgm:presLayoutVars>
       </dgm:prSet>
       <dgm:spPr/>
-      <dgm:t>
-        <a:bodyPr/>
-        <a:lstStyle/>
-        <a:p>
-          <a:endParaRPr lang="en-US"/>
-        </a:p>
-      </dgm:t>
     </dgm:pt>
     <dgm:pt modelId="{76586190-7A47-FD47-8FA5-4242C0040BBA}" type="pres">
       <dgm:prSet presAssocID="{D6549FBA-FB21-E44A-AFBC-DCBF127723DF}" presName="accent_1" presStyleCnt="0"/>
@@ -1399,13 +1343,6 @@
         </dgm:presLayoutVars>
       </dgm:prSet>
       <dgm:spPr/>
-      <dgm:t>
-        <a:bodyPr/>
-        <a:lstStyle/>
-        <a:p>
-          <a:endParaRPr lang="en-US"/>
-        </a:p>
-      </dgm:t>
     </dgm:pt>
     <dgm:pt modelId="{40E27FE4-25C3-0141-AFAE-6A1C2733A657}" type="pres">
       <dgm:prSet presAssocID="{5F1B0AD9-51A4-6544-AA54-71FD5944F9C0}" presName="accent_2" presStyleCnt="0"/>
@@ -1431,13 +1368,6 @@
         </dgm:presLayoutVars>
       </dgm:prSet>
       <dgm:spPr/>
-      <dgm:t>
-        <a:bodyPr/>
-        <a:lstStyle/>
-        <a:p>
-          <a:endParaRPr lang="en-US"/>
-        </a:p>
-      </dgm:t>
     </dgm:pt>
     <dgm:pt modelId="{71162D0E-D8E1-5D47-8294-B2A5D4158D8B}" type="pres">
       <dgm:prSet presAssocID="{A60387BF-17B5-124A-A80D-EFB63F3AC250}" presName="accent_3" presStyleCnt="0"/>
@@ -1463,13 +1393,6 @@
         </dgm:presLayoutVars>
       </dgm:prSet>
       <dgm:spPr/>
-      <dgm:t>
-        <a:bodyPr/>
-        <a:lstStyle/>
-        <a:p>
-          <a:endParaRPr lang="en-US"/>
-        </a:p>
-      </dgm:t>
     </dgm:pt>
     <dgm:pt modelId="{D1504EE6-1828-C64F-A319-015240BF60A8}" type="pres">
       <dgm:prSet presAssocID="{DDFD47D8-9B4E-C04B-99EB-E4E74B63977B}" presName="accent_4" presStyleCnt="0"/>
@@ -1495,13 +1418,6 @@
         </dgm:presLayoutVars>
       </dgm:prSet>
       <dgm:spPr/>
-      <dgm:t>
-        <a:bodyPr/>
-        <a:lstStyle/>
-        <a:p>
-          <a:endParaRPr lang="en-US"/>
-        </a:p>
-      </dgm:t>
     </dgm:pt>
     <dgm:pt modelId="{CE5784B9-D1BE-6546-B3C7-03669DA97A93}" type="pres">
       <dgm:prSet presAssocID="{57B06D76-A3BC-3C4A-9DE8-743721A5CC05}" presName="accent_5" presStyleCnt="0"/>
@@ -1527,13 +1443,6 @@
         </dgm:presLayoutVars>
       </dgm:prSet>
       <dgm:spPr/>
-      <dgm:t>
-        <a:bodyPr/>
-        <a:lstStyle/>
-        <a:p>
-          <a:endParaRPr lang="en-US"/>
-        </a:p>
-      </dgm:t>
     </dgm:pt>
     <dgm:pt modelId="{E936FCB3-8CE1-2E4F-8BA1-93914EF270FF}" type="pres">
       <dgm:prSet presAssocID="{07E48B1B-FCF6-5D4C-8D74-9E6C250444AD}" presName="accent_6" presStyleCnt="0"/>
@@ -1556,13 +1465,6 @@
         </dgm:presLayoutVars>
       </dgm:prSet>
       <dgm:spPr/>
-      <dgm:t>
-        <a:bodyPr/>
-        <a:lstStyle/>
-        <a:p>
-          <a:endParaRPr lang="en-US"/>
-        </a:p>
-      </dgm:t>
     </dgm:pt>
     <dgm:pt modelId="{9C6BF5E9-1FBF-2D41-B9F7-064358341516}" type="pres">
       <dgm:prSet presAssocID="{97C8DC37-019F-0846-ABC8-EDD60349DCD4}" presName="accent_7" presStyleCnt="0"/>
@@ -1583,22 +1485,22 @@
     </dgm:pt>
   </dgm:ptLst>
   <dgm:cxnLst>
+    <dgm:cxn modelId="{89BE7707-6F8F-FA44-A7A5-F4448B737CA8}" srcId="{E5C05183-796F-3443-B148-2CADE8C9E234}" destId="{A60387BF-17B5-124A-A80D-EFB63F3AC250}" srcOrd="2" destOrd="0" parTransId="{555AE5BE-EB6B-4244-B474-707F635546E9}" sibTransId="{69E11C75-CE6E-CB4E-9B98-75677BA86D04}"/>
     <dgm:cxn modelId="{AD48E61D-7BE3-420D-837D-217B5C8C77FA}" type="presOf" srcId="{A60387BF-17B5-124A-A80D-EFB63F3AC250}" destId="{98F4CFC7-7BEA-FE46-A331-BF8F6E6B0421}" srcOrd="0" destOrd="0" presId="urn:microsoft.com/office/officeart/2008/layout/VerticalCurvedList"/>
-    <dgm:cxn modelId="{DDBD7575-A79E-1547-957A-BF1F24008BB9}" srcId="{E5C05183-796F-3443-B148-2CADE8C9E234}" destId="{57B06D76-A3BC-3C4A-9DE8-743721A5CC05}" srcOrd="4" destOrd="0" parTransId="{D2F28A2D-1E7E-FC4F-A8C5-7B7AF6FAB954}" sibTransId="{913F6AC3-7B1B-7D4F-A790-C2C419D16782}"/>
+    <dgm:cxn modelId="{2EEB192D-13D8-4C64-B664-1D9C2EEA7B8A}" type="presOf" srcId="{E5C05183-796F-3443-B148-2CADE8C9E234}" destId="{54CAAC5A-771E-5349-A6B6-9FF2B34CD54A}" srcOrd="0" destOrd="0" presId="urn:microsoft.com/office/officeart/2008/layout/VerticalCurvedList"/>
     <dgm:cxn modelId="{5A0CBD3E-991C-4A38-822B-E1FD3D240789}" type="presOf" srcId="{97C8DC37-019F-0846-ABC8-EDD60349DCD4}" destId="{7DBDE9A0-A855-484C-A83F-45E2C9CDA0C0}" srcOrd="0" destOrd="0" presId="urn:microsoft.com/office/officeart/2008/layout/VerticalCurvedList"/>
     <dgm:cxn modelId="{9DA74967-D12D-954C-B2E0-3E919A6F9906}" srcId="{E5C05183-796F-3443-B148-2CADE8C9E234}" destId="{07E48B1B-FCF6-5D4C-8D74-9E6C250444AD}" srcOrd="5" destOrd="0" parTransId="{8D640979-0683-7A45-A530-2E4584F1F18E}" sibTransId="{D3665292-B0FD-5E48-B5DD-EA000054FBD1}"/>
+    <dgm:cxn modelId="{D977BA67-0E8C-422C-A579-1EE58F270977}" type="presOf" srcId="{DDFD47D8-9B4E-C04B-99EB-E4E74B63977B}" destId="{A30C572E-9A46-1D4C-A814-592184153672}" srcOrd="0" destOrd="0" presId="urn:microsoft.com/office/officeart/2008/layout/VerticalCurvedList"/>
+    <dgm:cxn modelId="{DDBD7575-A79E-1547-957A-BF1F24008BB9}" srcId="{E5C05183-796F-3443-B148-2CADE8C9E234}" destId="{57B06D76-A3BC-3C4A-9DE8-743721A5CC05}" srcOrd="4" destOrd="0" parTransId="{D2F28A2D-1E7E-FC4F-A8C5-7B7AF6FAB954}" sibTransId="{913F6AC3-7B1B-7D4F-A790-C2C419D16782}"/>
+    <dgm:cxn modelId="{2A27635A-2761-4318-8A5F-830359D73E2F}" type="presOf" srcId="{07E48B1B-FCF6-5D4C-8D74-9E6C250444AD}" destId="{DD5306A3-214A-3944-AA8A-EEF86C55D5E4}" srcOrd="0" destOrd="0" presId="urn:microsoft.com/office/officeart/2008/layout/VerticalCurvedList"/>
+    <dgm:cxn modelId="{29DB1C84-7500-4246-A24E-3320BF46B493}" srcId="{E5C05183-796F-3443-B148-2CADE8C9E234}" destId="{5F1B0AD9-51A4-6544-AA54-71FD5944F9C0}" srcOrd="1" destOrd="0" parTransId="{D4347956-65A5-CB40-AEA9-58C056C8FDE6}" sibTransId="{E70540FB-D55B-184F-8A07-D69B52E5D95B}"/>
+    <dgm:cxn modelId="{AC708A9A-5280-4218-84C2-82E6A98E4DBF}" type="presOf" srcId="{5F1B0AD9-51A4-6544-AA54-71FD5944F9C0}" destId="{F4C71EE0-3A46-4548-812E-2F571273D5FC}" srcOrd="0" destOrd="0" presId="urn:microsoft.com/office/officeart/2008/layout/VerticalCurvedList"/>
     <dgm:cxn modelId="{ED8B8DA4-32CE-834F-97F9-7E2C7487A4FB}" srcId="{E5C05183-796F-3443-B148-2CADE8C9E234}" destId="{DDFD47D8-9B4E-C04B-99EB-E4E74B63977B}" srcOrd="3" destOrd="0" parTransId="{A2ADCA50-C19E-2543-B002-959E4E529DDB}" sibTransId="{A75FAA2B-CCC3-BE49-AA28-24924EF2BAE5}"/>
-    <dgm:cxn modelId="{2EEB192D-13D8-4C64-B664-1D9C2EEA7B8A}" type="presOf" srcId="{E5C05183-796F-3443-B148-2CADE8C9E234}" destId="{54CAAC5A-771E-5349-A6B6-9FF2B34CD54A}" srcOrd="0" destOrd="0" presId="urn:microsoft.com/office/officeart/2008/layout/VerticalCurvedList"/>
-    <dgm:cxn modelId="{D977BA67-0E8C-422C-A579-1EE58F270977}" type="presOf" srcId="{DDFD47D8-9B4E-C04B-99EB-E4E74B63977B}" destId="{A30C572E-9A46-1D4C-A814-592184153672}" srcOrd="0" destOrd="0" presId="urn:microsoft.com/office/officeart/2008/layout/VerticalCurvedList"/>
-    <dgm:cxn modelId="{AC708A9A-5280-4218-84C2-82E6A98E4DBF}" type="presOf" srcId="{5F1B0AD9-51A4-6544-AA54-71FD5944F9C0}" destId="{F4C71EE0-3A46-4548-812E-2F571273D5FC}" srcOrd="0" destOrd="0" presId="urn:microsoft.com/office/officeart/2008/layout/VerticalCurvedList"/>
+    <dgm:cxn modelId="{EA5C23AE-9FEC-9949-AE39-8EFA2E7D7541}" srcId="{E5C05183-796F-3443-B148-2CADE8C9E234}" destId="{D6549FBA-FB21-E44A-AFBC-DCBF127723DF}" srcOrd="0" destOrd="0" parTransId="{0F437FB7-52B4-814E-B5C0-BB962CE5CBC2}" sibTransId="{46D5BB11-B473-1F41-82DB-3C19C67FF9F6}"/>
+    <dgm:cxn modelId="{434B40C7-64C3-BE43-926A-E149F681363A}" srcId="{E5C05183-796F-3443-B148-2CADE8C9E234}" destId="{97C8DC37-019F-0846-ABC8-EDD60349DCD4}" srcOrd="6" destOrd="0" parTransId="{6D389E17-A01E-9344-BD72-4874F0F38B4E}" sibTransId="{51FB95A0-9664-6945-B79E-84D1595502B9}"/>
+    <dgm:cxn modelId="{9378C7CD-0591-4D17-9853-334DF224A783}" type="presOf" srcId="{D6549FBA-FB21-E44A-AFBC-DCBF127723DF}" destId="{4744E9A9-5AF5-2449-B836-A3FDE3699B65}" srcOrd="0" destOrd="0" presId="urn:microsoft.com/office/officeart/2008/layout/VerticalCurvedList"/>
     <dgm:cxn modelId="{6D0AEFCF-9AC0-4732-9A1F-1C3002F36CEA}" type="presOf" srcId="{46D5BB11-B473-1F41-82DB-3C19C67FF9F6}" destId="{15DB3670-5075-F24F-8C04-41BB60CFA772}" srcOrd="0" destOrd="0" presId="urn:microsoft.com/office/officeart/2008/layout/VerticalCurvedList"/>
-    <dgm:cxn modelId="{EA5C23AE-9FEC-9949-AE39-8EFA2E7D7541}" srcId="{E5C05183-796F-3443-B148-2CADE8C9E234}" destId="{D6549FBA-FB21-E44A-AFBC-DCBF127723DF}" srcOrd="0" destOrd="0" parTransId="{0F437FB7-52B4-814E-B5C0-BB962CE5CBC2}" sibTransId="{46D5BB11-B473-1F41-82DB-3C19C67FF9F6}"/>
-    <dgm:cxn modelId="{89BE7707-6F8F-FA44-A7A5-F4448B737CA8}" srcId="{E5C05183-796F-3443-B148-2CADE8C9E234}" destId="{A60387BF-17B5-124A-A80D-EFB63F3AC250}" srcOrd="2" destOrd="0" parTransId="{555AE5BE-EB6B-4244-B474-707F635546E9}" sibTransId="{69E11C75-CE6E-CB4E-9B98-75677BA86D04}"/>
     <dgm:cxn modelId="{4F273CEF-0B4C-445B-B4E6-D1B54F986F55}" type="presOf" srcId="{57B06D76-A3BC-3C4A-9DE8-743721A5CC05}" destId="{9E68B60F-41DA-BA4D-9B31-6FD3ADC7E13F}" srcOrd="0" destOrd="0" presId="urn:microsoft.com/office/officeart/2008/layout/VerticalCurvedList"/>
-    <dgm:cxn modelId="{2A27635A-2761-4318-8A5F-830359D73E2F}" type="presOf" srcId="{07E48B1B-FCF6-5D4C-8D74-9E6C250444AD}" destId="{DD5306A3-214A-3944-AA8A-EEF86C55D5E4}" srcOrd="0" destOrd="0" presId="urn:microsoft.com/office/officeart/2008/layout/VerticalCurvedList"/>
-    <dgm:cxn modelId="{9378C7CD-0591-4D17-9853-334DF224A783}" type="presOf" srcId="{D6549FBA-FB21-E44A-AFBC-DCBF127723DF}" destId="{4744E9A9-5AF5-2449-B836-A3FDE3699B65}" srcOrd="0" destOrd="0" presId="urn:microsoft.com/office/officeart/2008/layout/VerticalCurvedList"/>
-    <dgm:cxn modelId="{434B40C7-64C3-BE43-926A-E149F681363A}" srcId="{E5C05183-796F-3443-B148-2CADE8C9E234}" destId="{97C8DC37-019F-0846-ABC8-EDD60349DCD4}" srcOrd="6" destOrd="0" parTransId="{6D389E17-A01E-9344-BD72-4874F0F38B4E}" sibTransId="{51FB95A0-9664-6945-B79E-84D1595502B9}"/>
-    <dgm:cxn modelId="{29DB1C84-7500-4246-A24E-3320BF46B493}" srcId="{E5C05183-796F-3443-B148-2CADE8C9E234}" destId="{5F1B0AD9-51A4-6544-AA54-71FD5944F9C0}" srcOrd="1" destOrd="0" parTransId="{D4347956-65A5-CB40-AEA9-58C056C8FDE6}" sibTransId="{E70540FB-D55B-184F-8A07-D69B52E5D95B}"/>
     <dgm:cxn modelId="{51923053-273E-4173-B614-CFF2D567D30F}" type="presParOf" srcId="{54CAAC5A-771E-5349-A6B6-9FF2B34CD54A}" destId="{7AAFA9DE-92A0-5D49-8DD0-F9E1AA0FBBFA}" srcOrd="0" destOrd="0" presId="urn:microsoft.com/office/officeart/2008/layout/VerticalCurvedList"/>
     <dgm:cxn modelId="{A5ED05E2-50FA-4B97-BB20-15095DA98FE1}" type="presParOf" srcId="{7AAFA9DE-92A0-5D49-8DD0-F9E1AA0FBBFA}" destId="{D29F900E-4BD4-4546-8E28-AA512ADB1CB4}" srcOrd="0" destOrd="0" presId="urn:microsoft.com/office/officeart/2008/layout/VerticalCurvedList"/>
     <dgm:cxn modelId="{2141DD9A-75F0-4B0A-9900-17176A4A4553}" type="presParOf" srcId="{D29F900E-4BD4-4546-8E28-AA512ADB1CB4}" destId="{B7B447DE-3CF0-2B4C-9156-44A8071C3CB0}" srcOrd="0" destOrd="0" presId="urn:microsoft.com/office/officeart/2008/layout/VerticalCurvedList"/>
@@ -1739,7 +1641,7 @@
         </a:bodyPr>
         <a:lstStyle/>
         <a:p>
-          <a:pPr lvl="0" algn="l" defTabSz="844550">
+          <a:pPr marL="0" lvl="0" indent="0" algn="l" defTabSz="844550">
             <a:lnSpc>
               <a:spcPct val="90000"/>
             </a:lnSpc>
@@ -1749,20 +1651,16 @@
             <a:spcAft>
               <a:spcPct val="35000"/>
             </a:spcAft>
+            <a:buNone/>
           </a:pPr>
           <a:r>
-            <a:rPr lang="en-US" sz="1900" kern="1200" dirty="0" smtClean="0">
+            <a:rPr lang="en-US" sz="1900" kern="1200" dirty="0">
               <a:solidFill>
                 <a:schemeClr val="tx1"/>
               </a:solidFill>
             </a:rPr>
             <a:t>License</a:t>
           </a:r>
-          <a:endParaRPr lang="en-US" sz="1900" kern="1200" dirty="0">
-            <a:solidFill>
-              <a:schemeClr val="tx1"/>
-            </a:solidFill>
-          </a:endParaRPr>
         </a:p>
       </dsp:txBody>
       <dsp:txXfrm>
@@ -1856,7 +1754,7 @@
         </a:bodyPr>
         <a:lstStyle/>
         <a:p>
-          <a:pPr lvl="0" algn="l" defTabSz="844550">
+          <a:pPr marL="0" lvl="0" indent="0" algn="l" defTabSz="844550">
             <a:lnSpc>
               <a:spcPct val="90000"/>
             </a:lnSpc>
@@ -1866,20 +1764,16 @@
             <a:spcAft>
               <a:spcPct val="35000"/>
             </a:spcAft>
+            <a:buNone/>
           </a:pPr>
           <a:r>
-            <a:rPr lang="en-US" sz="1900" kern="1200" dirty="0" smtClean="0">
+            <a:rPr lang="en-US" sz="1900" kern="1200" dirty="0">
               <a:solidFill>
                 <a:srgbClr val="000000"/>
               </a:solidFill>
             </a:rPr>
             <a:t>Introduction</a:t>
           </a:r>
-          <a:endParaRPr lang="en-US" sz="1900" kern="1200" dirty="0">
-            <a:solidFill>
-              <a:srgbClr val="000000"/>
-            </a:solidFill>
-          </a:endParaRPr>
         </a:p>
       </dsp:txBody>
       <dsp:txXfrm>
@@ -1973,7 +1867,7 @@
         </a:bodyPr>
         <a:lstStyle/>
         <a:p>
-          <a:pPr lvl="0" algn="l" defTabSz="844550">
+          <a:pPr marL="0" lvl="0" indent="0" algn="l" defTabSz="844550">
             <a:lnSpc>
               <a:spcPct val="90000"/>
             </a:lnSpc>
@@ -1983,20 +1877,16 @@
             <a:spcAft>
               <a:spcPct val="35000"/>
             </a:spcAft>
+            <a:buNone/>
           </a:pPr>
           <a:r>
-            <a:rPr lang="en-US" sz="1900" kern="1200" dirty="0" smtClean="0">
+            <a:rPr lang="en-US" sz="1900" kern="1200" dirty="0">
               <a:solidFill>
                 <a:srgbClr val="000000"/>
               </a:solidFill>
             </a:rPr>
             <a:t>Features</a:t>
           </a:r>
-          <a:endParaRPr lang="en-US" sz="1900" kern="1200" dirty="0">
-            <a:solidFill>
-              <a:srgbClr val="000000"/>
-            </a:solidFill>
-          </a:endParaRPr>
         </a:p>
       </dsp:txBody>
       <dsp:txXfrm>
@@ -2090,7 +1980,7 @@
         </a:bodyPr>
         <a:lstStyle/>
         <a:p>
-          <a:pPr lvl="0" algn="l" defTabSz="844550">
+          <a:pPr marL="0" lvl="0" indent="0" algn="l" defTabSz="844550">
             <a:lnSpc>
               <a:spcPct val="90000"/>
             </a:lnSpc>
@@ -2100,20 +1990,16 @@
             <a:spcAft>
               <a:spcPct val="35000"/>
             </a:spcAft>
+            <a:buNone/>
           </a:pPr>
           <a:r>
-            <a:rPr lang="en-US" sz="1900" kern="1200" dirty="0" smtClean="0">
+            <a:rPr lang="en-US" sz="1900" kern="1200" dirty="0">
               <a:solidFill>
                 <a:srgbClr val="000000"/>
               </a:solidFill>
             </a:rPr>
             <a:t>Philosophy</a:t>
           </a:r>
-          <a:endParaRPr lang="en-US" sz="1900" kern="1200" dirty="0">
-            <a:solidFill>
-              <a:srgbClr val="000000"/>
-            </a:solidFill>
-          </a:endParaRPr>
         </a:p>
       </dsp:txBody>
       <dsp:txXfrm>
@@ -2207,7 +2093,7 @@
         </a:bodyPr>
         <a:lstStyle/>
         <a:p>
-          <a:pPr lvl="0" algn="l" defTabSz="844550">
+          <a:pPr marL="0" lvl="0" indent="0" algn="l" defTabSz="844550">
             <a:lnSpc>
               <a:spcPct val="90000"/>
             </a:lnSpc>
@@ -2217,20 +2103,16 @@
             <a:spcAft>
               <a:spcPct val="35000"/>
             </a:spcAft>
+            <a:buNone/>
           </a:pPr>
           <a:r>
-            <a:rPr lang="en-US" sz="1900" kern="1200" dirty="0" smtClean="0">
+            <a:rPr lang="en-US" sz="1900" kern="1200" dirty="0">
               <a:solidFill>
                 <a:srgbClr val="000000"/>
               </a:solidFill>
             </a:rPr>
             <a:t>Audience and Roles</a:t>
           </a:r>
-          <a:endParaRPr lang="en-US" sz="1900" kern="1200" dirty="0">
-            <a:solidFill>
-              <a:srgbClr val="000000"/>
-            </a:solidFill>
-          </a:endParaRPr>
         </a:p>
       </dsp:txBody>
       <dsp:txXfrm>
@@ -2324,7 +2206,7 @@
         </a:bodyPr>
         <a:lstStyle/>
         <a:p>
-          <a:pPr lvl="0" algn="l" defTabSz="844550">
+          <a:pPr marL="0" lvl="0" indent="0" algn="l" defTabSz="844550">
             <a:lnSpc>
               <a:spcPct val="90000"/>
             </a:lnSpc>
@@ -2334,20 +2216,16 @@
             <a:spcAft>
               <a:spcPct val="35000"/>
             </a:spcAft>
+            <a:buNone/>
           </a:pPr>
           <a:r>
-            <a:rPr lang="en-US" sz="1900" kern="1200" dirty="0" smtClean="0">
+            <a:rPr lang="en-US" sz="1900" kern="1200" dirty="0">
               <a:solidFill>
                 <a:srgbClr val="000000"/>
               </a:solidFill>
             </a:rPr>
             <a:t>Overview</a:t>
           </a:r>
-          <a:endParaRPr lang="en-US" sz="1900" kern="1200" dirty="0">
-            <a:solidFill>
-              <a:srgbClr val="000000"/>
-            </a:solidFill>
-          </a:endParaRPr>
         </a:p>
       </dsp:txBody>
       <dsp:txXfrm>
@@ -2446,7 +2324,7 @@
         </a:bodyPr>
         <a:lstStyle/>
         <a:p>
-          <a:pPr lvl="0" algn="l" defTabSz="844550">
+          <a:pPr marL="0" lvl="0" indent="0" algn="l" defTabSz="844550">
             <a:lnSpc>
               <a:spcPct val="90000"/>
             </a:lnSpc>
@@ -2456,20 +2334,16 @@
             <a:spcAft>
               <a:spcPct val="35000"/>
             </a:spcAft>
+            <a:buNone/>
           </a:pPr>
           <a:r>
-            <a:rPr lang="en-US" sz="1900" kern="1200" dirty="0" smtClean="0">
+            <a:rPr lang="en-US" sz="1900" kern="1200" dirty="0">
               <a:solidFill>
                 <a:srgbClr val="000000"/>
               </a:solidFill>
             </a:rPr>
             <a:t>Deployment Swim Lane Matrix</a:t>
           </a:r>
-          <a:endParaRPr lang="en-US" sz="1900" kern="1200" dirty="0">
-            <a:solidFill>
-              <a:srgbClr val="000000"/>
-            </a:solidFill>
-          </a:endParaRPr>
         </a:p>
       </dsp:txBody>
       <dsp:txXfrm>
@@ -4912,7 +4786,7 @@
           <a:p>
             <a:fld id="{695CFCAD-1468-454C-9264-D8DC1210038A}" type="datetimeFigureOut">
               <a:rPr lang="en-US" smtClean="0"/>
-              <a:t>12/14/17</a:t>
+              <a:t>8/26/2020</a:t>
             </a:fld>
             <a:endParaRPr lang="en-US"/>
           </a:p>
@@ -5076,38 +4950,37 @@
           <a:p>
             <a:pPr lvl="0"/>
             <a:r>
-              <a:rPr lang="en-US" dirty="0" smtClean="0"/>
+              <a:rPr lang="en-US" dirty="0"/>
               <a:t>Click to edit Master text styles</a:t>
             </a:r>
           </a:p>
           <a:p>
             <a:pPr lvl="1"/>
             <a:r>
-              <a:rPr lang="en-US" dirty="0" smtClean="0"/>
+              <a:rPr lang="en-US" dirty="0"/>
               <a:t>Second level</a:t>
             </a:r>
           </a:p>
           <a:p>
             <a:pPr lvl="2"/>
             <a:r>
-              <a:rPr lang="en-US" dirty="0" smtClean="0"/>
+              <a:rPr lang="en-US" dirty="0"/>
               <a:t>Third level</a:t>
             </a:r>
           </a:p>
           <a:p>
             <a:pPr lvl="3"/>
             <a:r>
-              <a:rPr lang="en-US" dirty="0" smtClean="0"/>
+              <a:rPr lang="en-US" dirty="0"/>
               <a:t>Fourth level</a:t>
             </a:r>
           </a:p>
           <a:p>
             <a:pPr lvl="4"/>
             <a:r>
-              <a:rPr lang="en-US" dirty="0" smtClean="0"/>
+              <a:rPr lang="en-US" dirty="0"/>
               <a:t>Fifth level</a:t>
             </a:r>
-            <a:endParaRPr lang="en-US" dirty="0"/>
           </a:p>
         </p:txBody>
       </p:sp>
@@ -5266,20 +5139,20 @@
           <a:p>
             <a:pPr defTabSz="452217"/>
             <a:r>
-              <a:rPr lang="en-US" dirty="0" smtClean="0"/>
+              <a:rPr lang="en-US" dirty="0"/>
               <a:t>Hello, and welcome to the PDTool Training course for Cisco Information Server,</a:t>
             </a:r>
             <a:r>
-              <a:rPr lang="en-US" baseline="0" dirty="0" smtClean="0"/>
+              <a:rPr lang="en-US" baseline="0" dirty="0"/>
               <a:t> or CIS</a:t>
             </a:r>
             <a:r>
-              <a:rPr lang="en-US" dirty="0" smtClean="0"/>
+              <a:rPr lang="en-US" dirty="0"/>
               <a:t>.</a:t>
             </a:r>
           </a:p>
           <a:p>
-            <a:endParaRPr lang="en-US" dirty="0" smtClean="0"/>
+            <a:endParaRPr lang="en-US" dirty="0"/>
           </a:p>
           <a:p>
             <a:endParaRPr lang="en-US" dirty="0"/>
@@ -5447,7 +5320,7 @@
               <a:pPr eaLnBrk="1" hangingPunct="1"/>
               <a:t>10</a:t>
             </a:fld>
-            <a:endParaRPr lang="en-US" sz="1200" smtClean="0">
+            <a:endParaRPr lang="en-US" sz="1200">
               <a:solidFill>
                 <a:schemeClr val="tx1"/>
               </a:solidFill>
@@ -5491,7 +5364,7 @@
           <a:lstStyle/>
           <a:p>
             <a:pPr marL="228600" indent="-228600" eaLnBrk="1" hangingPunct="1"/>
-            <a:endParaRPr lang="en-US" dirty="0" smtClean="0">
+            <a:endParaRPr lang="en-US" dirty="0">
               <a:latin typeface="Arial" charset="0"/>
             </a:endParaRPr>
           </a:p>
@@ -5638,14 +5511,14 @@
               <a:defRPr/>
             </a:pPr>
             <a:r>
-              <a:rPr lang="en-US" dirty="0" smtClean="0"/>
+              <a:rPr lang="en-US" dirty="0"/>
               <a:t>We begin this module by examining</a:t>
             </a:r>
             <a:r>
-              <a:rPr lang="en-US" baseline="0" dirty="0" smtClean="0"/>
+              <a:rPr lang="en-US" baseline="0" dirty="0"/>
               <a:t> the basic concepts of PDTool and how it will be used.</a:t>
             </a:r>
-            <a:endParaRPr lang="en-US" dirty="0" smtClean="0"/>
+            <a:endParaRPr lang="en-US" dirty="0"/>
           </a:p>
           <a:p>
             <a:endParaRPr lang="en-US" dirty="0"/>
@@ -5813,7 +5686,7 @@
               <a:pPr eaLnBrk="1" hangingPunct="1"/>
               <a:t>3</a:t>
             </a:fld>
-            <a:endParaRPr lang="en-US" sz="1200" smtClean="0">
+            <a:endParaRPr lang="en-US" sz="1200">
               <a:solidFill>
                 <a:schemeClr val="tx1"/>
               </a:solidFill>
@@ -5857,7 +5730,7 @@
           <a:lstStyle/>
           <a:p>
             <a:pPr marL="228600" indent="-228600" eaLnBrk="1" hangingPunct="1"/>
-            <a:endParaRPr lang="en-US" dirty="0" smtClean="0">
+            <a:endParaRPr lang="en-US" dirty="0">
               <a:latin typeface="Arial" charset="0"/>
             </a:endParaRPr>
           </a:p>
@@ -6024,7 +5897,7 @@
               <a:pPr eaLnBrk="1" hangingPunct="1"/>
               <a:t>4</a:t>
             </a:fld>
-            <a:endParaRPr lang="en-US" sz="1200" smtClean="0">
+            <a:endParaRPr lang="en-US" sz="1200">
               <a:solidFill>
                 <a:schemeClr val="tx1"/>
               </a:solidFill>
@@ -6068,7 +5941,7 @@
           <a:lstStyle/>
           <a:p>
             <a:pPr marL="228600" indent="-228600" eaLnBrk="1" hangingPunct="1"/>
-            <a:endParaRPr lang="en-US" dirty="0" smtClean="0">
+            <a:endParaRPr lang="en-US" dirty="0">
               <a:latin typeface="Arial" charset="0"/>
             </a:endParaRPr>
           </a:p>
@@ -6235,7 +6108,7 @@
               <a:pPr eaLnBrk="1" hangingPunct="1"/>
               <a:t>5</a:t>
             </a:fld>
-            <a:endParaRPr lang="en-US" sz="1200" smtClean="0">
+            <a:endParaRPr lang="en-US" sz="1200">
               <a:solidFill>
                 <a:schemeClr val="tx1"/>
               </a:solidFill>
@@ -6279,7 +6152,7 @@
           <a:lstStyle/>
           <a:p>
             <a:pPr marL="228600" indent="-228600" eaLnBrk="1" hangingPunct="1"/>
-            <a:endParaRPr lang="en-US" dirty="0" smtClean="0">
+            <a:endParaRPr lang="en-US" dirty="0">
               <a:latin typeface="Arial" charset="0"/>
             </a:endParaRPr>
           </a:p>
@@ -6446,7 +6319,7 @@
               <a:pPr eaLnBrk="1" hangingPunct="1"/>
               <a:t>6</a:t>
             </a:fld>
-            <a:endParaRPr lang="en-US" sz="1200" smtClean="0">
+            <a:endParaRPr lang="en-US" sz="1200">
               <a:solidFill>
                 <a:schemeClr val="tx1"/>
               </a:solidFill>
@@ -6507,36 +6380,36 @@
               <a:defRPr/>
             </a:pPr>
             <a:r>
-              <a:rPr lang="en-US" dirty="0" smtClean="0">
+              <a:rPr lang="en-US" dirty="0">
                 <a:ea typeface="ＭＳ Ｐゴシック" pitchFamily="34" charset="-128"/>
               </a:rPr>
               <a:t>Example of 3</a:t>
             </a:r>
             <a:r>
-              <a:rPr lang="en-US" baseline="30000" dirty="0" smtClean="0">
+              <a:rPr lang="en-US" baseline="30000" dirty="0">
                 <a:ea typeface="ＭＳ Ｐゴシック" pitchFamily="34" charset="-128"/>
               </a:rPr>
               <a:t>rd</a:t>
             </a:r>
             <a:r>
-              <a:rPr lang="en-US" dirty="0" smtClean="0">
+              <a:rPr lang="en-US" dirty="0">
                 <a:ea typeface="ＭＳ Ｐゴシック" pitchFamily="34" charset="-128"/>
               </a:rPr>
               <a:t> party tool which can invoke PDTool is Hudson.    Some customers have their own home-grown deployment tools which can invoke command line tools and therefore can integrate</a:t>
             </a:r>
             <a:r>
-              <a:rPr lang="en-US" baseline="0" dirty="0" smtClean="0">
+              <a:rPr lang="en-US" baseline="0" dirty="0">
                 <a:ea typeface="ＭＳ Ｐゴシック" pitchFamily="34" charset="-128"/>
               </a:rPr>
               <a:t> with PDTool.</a:t>
             </a:r>
-            <a:endParaRPr lang="en-US" dirty="0" smtClean="0">
+            <a:endParaRPr lang="en-US" dirty="0">
               <a:ea typeface="ＭＳ Ｐゴシック" pitchFamily="34" charset="-128"/>
             </a:endParaRPr>
           </a:p>
           <a:p>
             <a:pPr marL="228600" indent="-228600" eaLnBrk="1" hangingPunct="1"/>
-            <a:endParaRPr lang="en-US" dirty="0" smtClean="0">
+            <a:endParaRPr lang="en-US" dirty="0">
               <a:latin typeface="Arial" charset="0"/>
             </a:endParaRPr>
           </a:p>
@@ -6703,7 +6576,7 @@
               <a:pPr eaLnBrk="1" hangingPunct="1"/>
               <a:t>7</a:t>
             </a:fld>
-            <a:endParaRPr lang="en-US" sz="1200" smtClean="0">
+            <a:endParaRPr lang="en-US" sz="1200">
               <a:solidFill>
                 <a:schemeClr val="tx1"/>
               </a:solidFill>
@@ -6747,7 +6620,7 @@
           <a:lstStyle/>
           <a:p>
             <a:pPr marL="228600" indent="-228600" eaLnBrk="1" hangingPunct="1"/>
-            <a:endParaRPr lang="en-US" dirty="0" smtClean="0">
+            <a:endParaRPr lang="en-US" dirty="0">
               <a:latin typeface="Arial" charset="0"/>
             </a:endParaRPr>
           </a:p>
@@ -6914,7 +6787,7 @@
               <a:pPr eaLnBrk="1" hangingPunct="1"/>
               <a:t>8</a:t>
             </a:fld>
-            <a:endParaRPr lang="en-US" sz="1200" smtClean="0">
+            <a:endParaRPr lang="en-US" sz="1200">
               <a:solidFill>
                 <a:schemeClr val="tx1"/>
               </a:solidFill>
@@ -6958,7 +6831,7 @@
           <a:lstStyle/>
           <a:p>
             <a:r>
-              <a:rPr lang="en-US" sz="1200" b="1" dirty="0" smtClean="0">
+              <a:rPr lang="en-US" sz="1200" b="1" dirty="0">
                 <a:ea typeface="ＭＳ Ｐゴシック" pitchFamily="34" charset="-128"/>
               </a:rPr>
               <a:t>Definitions</a:t>
@@ -6966,13 +6839,13 @@
           </a:p>
           <a:p>
             <a:r>
-              <a:rPr lang="en-US" sz="1200" u="sng" dirty="0" smtClean="0">
+              <a:rPr lang="en-US" sz="1200" u="sng" dirty="0">
                 <a:ea typeface="ＭＳ Ｐゴシック" pitchFamily="34" charset="-128"/>
               </a:rPr>
               <a:t>Source Environment</a:t>
             </a:r>
             <a:r>
-              <a:rPr lang="en-US" sz="1200" dirty="0" smtClean="0">
+              <a:rPr lang="en-US" sz="1200" dirty="0">
                 <a:ea typeface="ＭＳ Ｐゴシック" pitchFamily="34" charset="-128"/>
               </a:rPr>
               <a:t> – this is typically your development environment where CIS artifacts originate.</a:t>
@@ -6980,13 +6853,13 @@
           </a:p>
           <a:p>
             <a:r>
-              <a:rPr lang="en-US" sz="1200" u="sng" dirty="0" smtClean="0">
+              <a:rPr lang="en-US" sz="1200" u="sng" dirty="0">
                 <a:ea typeface="ＭＳ Ｐゴシック" pitchFamily="34" charset="-128"/>
               </a:rPr>
               <a:t>Target Environment</a:t>
             </a:r>
             <a:r>
-              <a:rPr lang="en-US" sz="1200" dirty="0" smtClean="0">
+              <a:rPr lang="en-US" sz="1200" dirty="0">
                 <a:ea typeface="ＭＳ Ｐゴシック" pitchFamily="34" charset="-128"/>
               </a:rPr>
               <a:t> – this is typically your INT, TEST, UAT, SIT, or production environment.  As mentioned previously, different customers have different names but the intent is the same.</a:t>
@@ -6994,13 +6867,13 @@
           </a:p>
           <a:p>
             <a:r>
-              <a:rPr lang="en-US" sz="1200" u="sng" dirty="0" smtClean="0">
+              <a:rPr lang="en-US" sz="1200" u="sng" dirty="0">
                 <a:ea typeface="ＭＳ Ｐゴシック" pitchFamily="34" charset="-128"/>
               </a:rPr>
               <a:t>VCS Server</a:t>
             </a:r>
             <a:r>
-              <a:rPr lang="en-US" sz="1200" dirty="0" smtClean="0">
+              <a:rPr lang="en-US" sz="1200" dirty="0">
                 <a:ea typeface="ＭＳ Ｐゴシック" pitchFamily="34" charset="-128"/>
               </a:rPr>
               <a:t> – this is the environment where a source code control / version control system is installed.  Subversion is one example.</a:t>
@@ -7008,25 +6881,25 @@
           </a:p>
           <a:p>
             <a:r>
-              <a:rPr lang="en-US" sz="1200" u="sng" dirty="0" smtClean="0">
+              <a:rPr lang="en-US" sz="1200" u="sng" dirty="0">
                 <a:ea typeface="ＭＳ Ｐゴシック" pitchFamily="34" charset="-128"/>
               </a:rPr>
               <a:t>Deployment Server</a:t>
             </a:r>
             <a:r>
-              <a:rPr lang="en-US" sz="1200" dirty="0" smtClean="0">
+              <a:rPr lang="en-US" sz="1200" dirty="0">
                 <a:ea typeface="ＭＳ Ｐゴシック" pitchFamily="34" charset="-128"/>
               </a:rPr>
               <a:t> – this is a server that will execute the deployment process and target one of the prior-mentioned target environments.  CIS is </a:t>
             </a:r>
             <a:r>
-              <a:rPr lang="en-US" sz="1200" u="sng" dirty="0" smtClean="0">
+              <a:rPr lang="en-US" sz="1200" u="sng" dirty="0">
                 <a:ea typeface="ＭＳ Ｐゴシック" pitchFamily="34" charset="-128"/>
               </a:rPr>
               <a:t>not</a:t>
             </a:r>
             <a:r>
-              <a:rPr lang="en-US" sz="1200" dirty="0" smtClean="0">
+              <a:rPr lang="en-US" sz="1200" dirty="0">
                 <a:ea typeface="ＭＳ Ｐゴシック" pitchFamily="34" charset="-128"/>
               </a:rPr>
               <a:t> required to be on this machine.</a:t>
@@ -7034,97 +6907,97 @@
           </a:p>
           <a:p>
             <a:r>
-              <a:rPr lang="en-US" sz="1200" u="sng" dirty="0" smtClean="0">
+              <a:rPr lang="en-US" sz="1200" u="sng" dirty="0">
                 <a:ea typeface="ＭＳ Ｐゴシック" pitchFamily="34" charset="-128"/>
               </a:rPr>
               <a:t>Deployment Actions</a:t>
             </a:r>
             <a:r>
-              <a:rPr lang="en-US" sz="1200" dirty="0" smtClean="0">
+              <a:rPr lang="en-US" sz="1200" dirty="0">
                 <a:ea typeface="ＭＳ Ｐゴシック" pitchFamily="34" charset="-128"/>
               </a:rPr>
               <a:t> – deployment actions are modular and encompass both importing CIS resources and configuring resources.</a:t>
             </a:r>
           </a:p>
           <a:p>
-            <a:endParaRPr lang="en-US" sz="1200" dirty="0" smtClean="0">
+            <a:endParaRPr lang="en-US" sz="1200" dirty="0">
               <a:ea typeface="ＭＳ Ｐゴシック" pitchFamily="34" charset="-128"/>
             </a:endParaRPr>
           </a:p>
           <a:p>
-            <a:endParaRPr lang="en-US" dirty="0" smtClean="0"/>
+            <a:endParaRPr lang="en-US" dirty="0"/>
           </a:p>
           <a:p>
             <a:r>
-              <a:rPr lang="en-US" dirty="0" smtClean="0"/>
+              <a:rPr lang="en-US" dirty="0"/>
               <a:t>Initial</a:t>
             </a:r>
             <a:r>
-              <a:rPr lang="en-US" baseline="0" dirty="0" smtClean="0"/>
+              <a:rPr lang="en-US" baseline="0" dirty="0"/>
               <a:t> Screen - PDTool Overview</a:t>
             </a:r>
           </a:p>
           <a:p>
             <a:pPr lvl="1"/>
             <a:r>
-              <a:rPr lang="en-US" baseline="0" dirty="0" smtClean="0"/>
+              <a:rPr lang="en-US" baseline="0" dirty="0"/>
               <a:t>The typical environment contains a shared development server and 1 or more higher level target servers which will be deployed to.  In a shared CIS development server there are multiple developers that connect to CIS.  Optionally, there may be a Version Control Server and a separate Deployment server.</a:t>
             </a:r>
           </a:p>
           <a:p>
             <a:r>
-              <a:rPr lang="en-US" baseline="0" dirty="0" smtClean="0"/>
+              <a:rPr lang="en-US" baseline="0" dirty="0"/>
               <a:t>Transition 1 – Overlay of PDTool Packages</a:t>
             </a:r>
           </a:p>
           <a:p>
             <a:pPr lvl="1"/>
             <a:r>
-              <a:rPr lang="en-US" baseline="0" dirty="0" smtClean="0"/>
+              <a:rPr lang="en-US" baseline="0" dirty="0"/>
               <a:t>In the first transition, an overlay of the PDTool packages is shown in perspective of where they can be installed.   PDTool Studio is installed on the client computer with Cisco Studio.  PDTool Studio acts as the bridge between Cisco Information Server and the Version Control System (VCS).  PDTool may be installed on a CIS server or on a separate deployment server.    Many times, it is installed on the client computer of the Deployment Manager.</a:t>
             </a:r>
           </a:p>
           <a:p>
             <a:pPr lvl="0"/>
             <a:r>
-              <a:rPr lang="en-US" baseline="0" dirty="0" smtClean="0"/>
+              <a:rPr lang="en-US" baseline="0" dirty="0"/>
               <a:t>Transition – 2 Options</a:t>
             </a:r>
           </a:p>
           <a:p>
             <a:pPr lvl="1"/>
             <a:r>
-              <a:rPr lang="en-US" baseline="0" dirty="0" smtClean="0"/>
+              <a:rPr lang="en-US" baseline="0" dirty="0"/>
               <a:t>Option 1 – Deployment is done through the traditional package export/import mechanism using .car files.</a:t>
             </a:r>
           </a:p>
           <a:p>
             <a:pPr lvl="1"/>
             <a:r>
-              <a:rPr lang="en-US" baseline="0" dirty="0" smtClean="0"/>
+              <a:rPr lang="en-US" baseline="0" dirty="0"/>
               <a:t>Option 2 – Provides for Developer’s the ability to check-in resources from the Development server into a supported Version Control System of their choice.</a:t>
             </a:r>
           </a:p>
           <a:p>
             <a:pPr lvl="1"/>
             <a:r>
-              <a:rPr lang="en-US" baseline="0" dirty="0" smtClean="0"/>
+              <a:rPr lang="en-US" baseline="0" dirty="0"/>
               <a:t>Option 3 – Uses the PDTool installation on the target CIS server for deployment.</a:t>
             </a:r>
           </a:p>
           <a:p>
             <a:pPr lvl="1"/>
             <a:r>
-              <a:rPr lang="en-US" baseline="0" dirty="0" smtClean="0"/>
+              <a:rPr lang="en-US" baseline="0" dirty="0"/>
               <a:t>Option 4 – Uses the PDTool installation on a separate deployment server for deployment.</a:t>
             </a:r>
           </a:p>
           <a:p>
-            <a:endParaRPr lang="en-US" baseline="0" dirty="0" smtClean="0"/>
+            <a:endParaRPr lang="en-US" baseline="0" dirty="0"/>
           </a:p>
           <a:p>
             <a:pPr marL="228600" indent="-228600" eaLnBrk="1" hangingPunct="1"/>
-            <a:endParaRPr lang="en-US" dirty="0" smtClean="0">
+            <a:endParaRPr lang="en-US" dirty="0">
               <a:latin typeface="Arial" charset="0"/>
             </a:endParaRPr>
           </a:p>
@@ -7291,7 +7164,7 @@
               <a:pPr eaLnBrk="1" hangingPunct="1"/>
               <a:t>9</a:t>
             </a:fld>
-            <a:endParaRPr lang="en-US" sz="1200" smtClean="0">
+            <a:endParaRPr lang="en-US" sz="1200">
               <a:solidFill>
                 <a:schemeClr val="tx1"/>
               </a:solidFill>
@@ -7335,7 +7208,7 @@
           <a:lstStyle/>
           <a:p>
             <a:r>
-              <a:rPr lang="en-US" sz="1200" dirty="0" smtClean="0">
+              <a:rPr lang="en-US" sz="1200" dirty="0">
                 <a:ea typeface="ＭＳ Ｐゴシック" pitchFamily="34" charset="-128"/>
               </a:rPr>
               <a:t>Environments</a:t>
@@ -7346,7 +7219,7 @@
               <a:buAutoNum type="arabicParenR"/>
             </a:pPr>
             <a:r>
-              <a:rPr lang="en-US" sz="1200" baseline="0" dirty="0" smtClean="0">
+              <a:rPr lang="en-US" sz="1200" baseline="0" dirty="0">
                 <a:ea typeface="ＭＳ Ｐゴシック" pitchFamily="34" charset="-128"/>
               </a:rPr>
               <a:t>Dev – Development Server</a:t>
@@ -7357,7 +7230,7 @@
               <a:buAutoNum type="arabicParenR"/>
             </a:pPr>
             <a:r>
-              <a:rPr lang="en-US" sz="1200" baseline="0" dirty="0" smtClean="0">
+              <a:rPr lang="en-US" sz="1200" baseline="0" dirty="0">
                 <a:ea typeface="ＭＳ Ｐゴシック" pitchFamily="34" charset="-128"/>
               </a:rPr>
               <a:t>CIT – Component Integration Testing – used by development and sometimes QA to test the integrity of the build to ensure the right version of code is being deployed.  It is also used for unit testing of components.</a:t>
@@ -7368,7 +7241,7 @@
               <a:buAutoNum type="arabicParenR"/>
             </a:pPr>
             <a:r>
-              <a:rPr lang="en-US" sz="1200" baseline="0" dirty="0" smtClean="0">
+              <a:rPr lang="en-US" sz="1200" baseline="0" dirty="0">
                 <a:ea typeface="ＭＳ Ｐゴシック" pitchFamily="34" charset="-128"/>
               </a:rPr>
               <a:t>SIT – System Integration Testing (QA) – used by QA team for functional, security and regression testing.  If a SIT environment is not available then UAT is used.</a:t>
@@ -7379,7 +7252,7 @@
               <a:buAutoNum type="arabicParenR"/>
             </a:pPr>
             <a:r>
-              <a:rPr lang="en-US" sz="1200" baseline="0" dirty="0" smtClean="0">
+              <a:rPr lang="en-US" sz="1200" baseline="0" dirty="0">
                 <a:ea typeface="ＭＳ Ｐゴシック" pitchFamily="34" charset="-128"/>
               </a:rPr>
               <a:t>UAT – User Acceptance Testing – used by end users to confirm what they asked for is what they are getting.</a:t>
@@ -7390,7 +7263,7 @@
               <a:buAutoNum type="arabicParenR"/>
             </a:pPr>
             <a:r>
-              <a:rPr lang="en-US" sz="1200" baseline="0" dirty="0" smtClean="0">
+              <a:rPr lang="en-US" sz="1200" baseline="0" dirty="0">
                 <a:ea typeface="ＭＳ Ｐゴシック" pitchFamily="34" charset="-128"/>
               </a:rPr>
               <a:t>TT – Technical Testing – used by developers and performance testing team to ensure code is performing within the SLAs required.</a:t>
@@ -7401,7 +7274,7 @@
               <a:buAutoNum type="arabicParenR"/>
             </a:pPr>
             <a:r>
-              <a:rPr lang="en-US" sz="1200" baseline="0" dirty="0" smtClean="0">
+              <a:rPr lang="en-US" sz="1200" baseline="0" dirty="0">
                 <a:ea typeface="ＭＳ Ｐゴシック" pitchFamily="34" charset="-128"/>
               </a:rPr>
               <a:t>PROD – Production – only end users, application ids and level II and III teams should have permanent access.  Dev, QA, PT team should only have access on a need to need basis to troubleshoot issues.</a:t>
@@ -7411,7 +7284,7 @@
             <a:pPr marL="228600" indent="-228600">
               <a:buAutoNum type="arabicParenR"/>
             </a:pPr>
-            <a:endParaRPr lang="en-US" sz="1200" baseline="0" dirty="0" smtClean="0">
+            <a:endParaRPr lang="en-US" sz="1200" baseline="0" dirty="0">
               <a:ea typeface="ＭＳ Ｐゴシック" pitchFamily="34" charset="-128"/>
             </a:endParaRPr>
           </a:p>
@@ -7420,18 +7293,18 @@
               <a:buNone/>
             </a:pPr>
             <a:r>
-              <a:rPr lang="en-US" sz="1200" baseline="0" dirty="0" smtClean="0">
+              <a:rPr lang="en-US" sz="1200" baseline="0" dirty="0">
                 <a:ea typeface="ＭＳ Ｐゴシック" pitchFamily="34" charset="-128"/>
               </a:rPr>
               <a:t>Implied Flow – there is an implied flow as code works its way through the environments and different roles interact with the CIS servers at different points in time.</a:t>
             </a:r>
-            <a:endParaRPr lang="en-US" sz="1200" dirty="0" smtClean="0">
+            <a:endParaRPr lang="en-US" sz="1200" dirty="0">
               <a:ea typeface="ＭＳ Ｐゴシック" pitchFamily="34" charset="-128"/>
             </a:endParaRPr>
           </a:p>
           <a:p>
             <a:pPr marL="228600" indent="-228600" eaLnBrk="1" hangingPunct="1"/>
-            <a:endParaRPr lang="en-US" dirty="0" smtClean="0">
+            <a:endParaRPr lang="en-US" dirty="0">
               <a:latin typeface="Arial" charset="0"/>
             </a:endParaRPr>
           </a:p>
@@ -7537,10 +7410,9 @@
           <a:p>
             <a:pPr lvl="0"/>
             <a:r>
-              <a:rPr lang="en-US" dirty="0" smtClean="0"/>
+              <a:rPr lang="en-US" dirty="0"/>
               <a:t>Click to edit title</a:t>
             </a:r>
-            <a:endParaRPr lang="en-US" dirty="0"/>
           </a:p>
         </p:txBody>
       </p:sp>
@@ -7609,7 +7481,7 @@
               <a:defRPr/>
             </a:pPr>
             <a:r>
-              <a:rPr lang="en-US" dirty="0" smtClean="0"/>
+              <a:rPr lang="en-US" dirty="0"/>
               <a:t>Click to edit presenter name</a:t>
             </a:r>
           </a:p>
@@ -7683,18 +7555,17 @@
           </a:lstStyle>
           <a:p>
             <a:r>
-              <a:rPr lang="en-US" dirty="0" smtClean="0"/>
+              <a:rPr lang="en-US" dirty="0"/>
               <a:t>© Copyright 2000-</a:t>
             </a:r>
             <a:r>
-              <a:rPr lang="is-IS" dirty="0" smtClean="0"/>
+              <a:rPr lang="is-IS" dirty="0"/>
               <a:t>2017</a:t>
             </a:r>
             <a:r>
-              <a:rPr lang="en-US" dirty="0" smtClean="0"/>
+              <a:rPr lang="en-US" dirty="0"/>
               <a:t> TIBCO Software Inc.      </a:t>
             </a:r>
-            <a:endParaRPr lang="en-US" dirty="0"/>
           </a:p>
         </p:txBody>
       </p:sp>
@@ -7720,13 +7591,6 @@
       </p:transition>
     </mc:Fallback>
   </mc:AlternateContent>
-  <p:timing>
-    <p:tnLst>
-      <p:par>
-        <p:cTn id="1" dur="indefinite" restart="never" nodeType="tmRoot"/>
-      </p:par>
-    </p:tnLst>
-  </p:timing>
 </p:sldLayout>
 </file>
 
@@ -7841,10 +7705,9 @@
           <a:p>
             <a:pPr lvl="0"/>
             <a:r>
-              <a:rPr lang="en-US" dirty="0" smtClean="0"/>
+              <a:rPr lang="en-US" dirty="0"/>
               <a:t>Click to edit title</a:t>
             </a:r>
-            <a:endParaRPr lang="en-US" dirty="0"/>
           </a:p>
         </p:txBody>
       </p:sp>
@@ -7913,7 +7776,7 @@
               <a:defRPr/>
             </a:pPr>
             <a:r>
-              <a:rPr lang="en-US" dirty="0" smtClean="0"/>
+              <a:rPr lang="en-US" dirty="0"/>
               <a:t>Click to edit presenter name</a:t>
             </a:r>
           </a:p>
@@ -7959,7 +7822,7 @@
           </a:lstStyle>
           <a:p>
             <a:r>
-              <a:rPr lang="en-US" dirty="0" smtClean="0">
+              <a:rPr lang="en-US" dirty="0">
                 <a:solidFill>
                   <a:srgbClr val="DCDDDE"/>
                 </a:solidFill>
@@ -7979,13 +7842,6 @@
   <p:clrMapOvr>
     <a:masterClrMapping/>
   </p:clrMapOvr>
-  <p:timing>
-    <p:tnLst>
-      <p:par>
-        <p:cTn id="1" dur="indefinite" restart="never" nodeType="tmRoot"/>
-      </p:par>
-    </p:tnLst>
-  </p:timing>
 </p:sldLayout>
 </file>
 
@@ -8016,13 +7872,6 @@
   <p:clrMapOvr>
     <a:masterClrMapping/>
   </p:clrMapOvr>
-  <p:timing>
-    <p:tnLst>
-      <p:par>
-        <p:cTn id="1" dur="indefinite" restart="never" nodeType="tmRoot"/>
-      </p:par>
-    </p:tnLst>
-  </p:timing>
 </p:sldLayout>
 </file>
 
@@ -8082,13 +7931,6 @@
   <p:clrMapOvr>
     <a:masterClrMapping/>
   </p:clrMapOvr>
-  <p:timing>
-    <p:tnLst>
-      <p:par>
-        <p:cTn id="1" dur="indefinite" restart="never" nodeType="tmRoot"/>
-      </p:par>
-    </p:tnLst>
-  </p:timing>
 </p:sldLayout>
 </file>
 
@@ -8178,13 +8020,6 @@
   <p:clrMapOvr>
     <a:masterClrMapping/>
   </p:clrMapOvr>
-  <p:timing>
-    <p:tnLst>
-      <p:par>
-        <p:cTn id="1" dur="indefinite" restart="never" nodeType="tmRoot"/>
-      </p:par>
-    </p:tnLst>
-  </p:timing>
 </p:sldLayout>
 </file>
 
@@ -8244,13 +8079,6 @@
   <p:clrMapOvr>
     <a:masterClrMapping/>
   </p:clrMapOvr>
-  <p:timing>
-    <p:tnLst>
-      <p:par>
-        <p:cTn id="1" dur="indefinite" restart="never" nodeType="tmRoot"/>
-      </p:par>
-    </p:tnLst>
-  </p:timing>
 </p:sldLayout>
 </file>
 
@@ -8393,10 +8221,9 @@
           </a:lstStyle>
           <a:p>
             <a:r>
-              <a:rPr lang="en-US" dirty="0" smtClean="0"/>
+              <a:rPr lang="en-US" dirty="0"/>
               <a:t>Click to edit Master title style</a:t>
             </a:r>
-            <a:endParaRPr lang="en-US" dirty="0"/>
           </a:p>
         </p:txBody>
       </p:sp>
@@ -8410,13 +8237,6 @@
   <p:clrMapOvr>
     <a:masterClrMapping/>
   </p:clrMapOvr>
-  <p:timing>
-    <p:tnLst>
-      <p:par>
-        <p:cTn id="1" dur="indefinite" restart="never" nodeType="tmRoot"/>
-      </p:par>
-    </p:tnLst>
-  </p:timing>
 </p:sldLayout>
 </file>
 
@@ -8523,10 +8343,9 @@
           </a:lstStyle>
           <a:p>
             <a:r>
-              <a:rPr lang="en-US" dirty="0" smtClean="0"/>
+              <a:rPr lang="en-US" dirty="0"/>
               <a:t>Click to edit Master title style</a:t>
             </a:r>
-            <a:endParaRPr lang="en-US" dirty="0"/>
           </a:p>
         </p:txBody>
       </p:sp>
@@ -8540,13 +8359,6 @@
   <p:clrMapOvr>
     <a:masterClrMapping/>
   </p:clrMapOvr>
-  <p:timing>
-    <p:tnLst>
-      <p:par>
-        <p:cTn id="1" dur="indefinite" restart="never" nodeType="tmRoot"/>
-      </p:par>
-    </p:tnLst>
-  </p:timing>
 </p:sldLayout>
 </file>
 
@@ -8750,13 +8562,6 @@
   <p:clrMapOvr>
     <a:masterClrMapping/>
   </p:clrMapOvr>
-  <p:timing>
-    <p:tnLst>
-      <p:par>
-        <p:cTn id="1" dur="indefinite" restart="never" nodeType="tmRoot"/>
-      </p:par>
-    </p:tnLst>
-  </p:timing>
 </p:sldLayout>
 </file>
 
@@ -8811,13 +8616,6 @@
   <p:clrMapOvr>
     <a:masterClrMapping/>
   </p:clrMapOvr>
-  <p:timing>
-    <p:tnLst>
-      <p:par>
-        <p:cTn id="1" dur="indefinite" restart="never" nodeType="tmRoot"/>
-      </p:par>
-    </p:tnLst>
-  </p:timing>
 </p:sldLayout>
 </file>
 
@@ -8872,18 +8670,17 @@
           </a:lstStyle>
           <a:p>
             <a:r>
-              <a:rPr lang="en-US" dirty="0" smtClean="0"/>
+              <a:rPr lang="en-US" dirty="0"/>
               <a:t>© Copyright 2000-</a:t>
             </a:r>
             <a:r>
-              <a:rPr lang="is-IS" dirty="0" smtClean="0"/>
+              <a:rPr lang="is-IS" dirty="0"/>
               <a:t>2017</a:t>
             </a:r>
             <a:r>
-              <a:rPr lang="en-US" dirty="0" smtClean="0"/>
+              <a:rPr lang="en-US" dirty="0"/>
               <a:t> TIBCO Software Inc.      </a:t>
             </a:r>
-            <a:endParaRPr lang="en-US" dirty="0"/>
           </a:p>
         </p:txBody>
       </p:sp>
@@ -8903,10 +8700,9 @@
           <a:lstStyle/>
           <a:p>
             <a:r>
-              <a:rPr lang="en-US" smtClean="0"/>
+              <a:rPr lang="en-US"/>
               <a:t>Click to edit Master title style</a:t>
             </a:r>
-            <a:endParaRPr lang="en-US"/>
           </a:p>
         </p:txBody>
       </p:sp>
@@ -8932,13 +8728,6 @@
       </p:transition>
     </mc:Fallback>
   </mc:AlternateContent>
-  <p:timing>
-    <p:tnLst>
-      <p:par>
-        <p:cTn id="1" dur="indefinite" restart="never" nodeType="tmRoot"/>
-      </p:par>
-    </p:tnLst>
-  </p:timing>
 </p:sldLayout>
 </file>
 
@@ -9017,13 +8806,6 @@
   <p:clrMapOvr>
     <a:masterClrMapping/>
   </p:clrMapOvr>
-  <p:timing>
-    <p:tnLst>
-      <p:par>
-        <p:cTn id="1" dur="indefinite" restart="never" nodeType="tmRoot"/>
-      </p:par>
-    </p:tnLst>
-  </p:timing>
 </p:sldLayout>
 </file>
 
@@ -9096,7 +8878,7 @@
           <a:lstStyle/>
           <a:p>
             <a:r>
-              <a:rPr lang="en-US" sz="5400" dirty="0" smtClean="0">
+              <a:rPr lang="en-US" sz="5400" dirty="0">
                 <a:solidFill>
                   <a:schemeClr val="tx2"/>
                 </a:solidFill>
@@ -9105,13 +8887,6 @@
               </a:rPr>
               <a:t>Thank You!</a:t>
             </a:r>
-            <a:endParaRPr lang="en-US" sz="5400" dirty="0">
-              <a:solidFill>
-                <a:schemeClr val="tx2"/>
-              </a:solidFill>
-              <a:latin typeface="Arial Black"/>
-              <a:cs typeface="Arial Black"/>
-            </a:endParaRPr>
           </a:p>
         </p:txBody>
       </p:sp>
@@ -9125,13 +8900,6 @@
   <p:clrMapOvr>
     <a:masterClrMapping/>
   </p:clrMapOvr>
-  <p:timing>
-    <p:tnLst>
-      <p:par>
-        <p:cTn id="1" dur="indefinite" restart="never" nodeType="tmRoot"/>
-      </p:par>
-    </p:tnLst>
-  </p:timing>
 </p:sldLayout>
 </file>
 
@@ -9176,10 +8944,9 @@
           <a:lstStyle/>
           <a:p>
             <a:r>
-              <a:rPr lang="en-US" dirty="0" smtClean="0"/>
+              <a:rPr lang="en-US" dirty="0"/>
               <a:t>Click to edit Master title style</a:t>
             </a:r>
-            <a:endParaRPr lang="en-US" dirty="0"/>
           </a:p>
         </p:txBody>
       </p:sp>
@@ -9237,28 +9004,28 @@
           <a:p>
             <a:pPr lvl="0"/>
             <a:r>
-              <a:rPr lang="en-US" dirty="0" smtClean="0"/>
+              <a:rPr lang="en-US" dirty="0"/>
               <a:t>Click to edit Master text styles</a:t>
             </a:r>
           </a:p>
           <a:p>
             <a:pPr lvl="1"/>
             <a:r>
-              <a:rPr lang="en-US" dirty="0" smtClean="0"/>
+              <a:rPr lang="en-US" dirty="0"/>
               <a:t>Second level</a:t>
             </a:r>
           </a:p>
           <a:p>
             <a:pPr lvl="2"/>
             <a:r>
-              <a:rPr lang="en-US" dirty="0" smtClean="0"/>
+              <a:rPr lang="en-US" dirty="0"/>
               <a:t>Third level</a:t>
             </a:r>
           </a:p>
           <a:p>
             <a:pPr lvl="3"/>
             <a:r>
-              <a:rPr lang="en-US" dirty="0" smtClean="0"/>
+              <a:rPr lang="en-US" dirty="0"/>
               <a:t>Fourth level</a:t>
             </a:r>
           </a:p>
@@ -9364,13 +9131,6 @@
   <p:clrMapOvr>
     <a:masterClrMapping/>
   </p:clrMapOvr>
-  <p:timing>
-    <p:tnLst>
-      <p:par>
-        <p:cTn id="1" dur="indefinite" restart="never" nodeType="tmRoot"/>
-      </p:par>
-    </p:tnLst>
-  </p:timing>
 </p:sldLayout>
 </file>
 
@@ -9425,18 +9185,17 @@
           </a:lstStyle>
           <a:p>
             <a:r>
-              <a:rPr lang="en-US" dirty="0" smtClean="0"/>
+              <a:rPr lang="en-US" dirty="0"/>
               <a:t>© Copyright 2000-</a:t>
             </a:r>
             <a:r>
-              <a:rPr lang="is-IS" dirty="0" smtClean="0"/>
+              <a:rPr lang="is-IS" dirty="0"/>
               <a:t>2017</a:t>
             </a:r>
             <a:r>
-              <a:rPr lang="en-US" dirty="0" smtClean="0"/>
+              <a:rPr lang="en-US" dirty="0"/>
               <a:t> TIBCO Software Inc.      </a:t>
             </a:r>
-            <a:endParaRPr lang="en-US" dirty="0"/>
           </a:p>
         </p:txBody>
       </p:sp>
@@ -9462,13 +9221,6 @@
       </p:transition>
     </mc:Fallback>
   </mc:AlternateContent>
-  <p:timing>
-    <p:tnLst>
-      <p:par>
-        <p:cTn id="1" dur="indefinite" restart="never" nodeType="tmRoot"/>
-      </p:par>
-    </p:tnLst>
-  </p:timing>
 </p:sldLayout>
 </file>
 
@@ -9505,10 +9257,9 @@
           <a:lstStyle/>
           <a:p>
             <a:r>
-              <a:rPr lang="en-US" smtClean="0"/>
+              <a:rPr lang="en-US"/>
               <a:t>Click to edit Master title style</a:t>
             </a:r>
-            <a:endParaRPr lang="en-US"/>
           </a:p>
         </p:txBody>
       </p:sp>
@@ -9543,35 +9294,35 @@
           <a:p>
             <a:pPr lvl="0"/>
             <a:r>
-              <a:rPr lang="en-US" smtClean="0"/>
+              <a:rPr lang="en-US"/>
               <a:t>Click to edit Master text styles</a:t>
             </a:r>
           </a:p>
           <a:p>
             <a:pPr lvl="1"/>
             <a:r>
-              <a:rPr lang="en-US" smtClean="0"/>
+              <a:rPr lang="en-US"/>
               <a:t>Second level</a:t>
             </a:r>
           </a:p>
           <a:p>
             <a:pPr lvl="2"/>
             <a:r>
-              <a:rPr lang="en-US" smtClean="0"/>
+              <a:rPr lang="en-US"/>
               <a:t>Third level</a:t>
             </a:r>
           </a:p>
           <a:p>
             <a:pPr lvl="3"/>
             <a:r>
-              <a:rPr lang="en-US" smtClean="0"/>
+              <a:rPr lang="en-US"/>
               <a:t>Fourth level</a:t>
             </a:r>
           </a:p>
           <a:p>
             <a:pPr lvl="4"/>
             <a:r>
-              <a:rPr lang="en-US" smtClean="0"/>
+              <a:rPr lang="en-US"/>
               <a:t>Fifth level</a:t>
             </a:r>
             <a:endParaRPr lang="en-US" dirty="0"/>
@@ -9612,18 +9363,17 @@
           </a:lstStyle>
           <a:p>
             <a:r>
-              <a:rPr lang="en-US" dirty="0" smtClean="0"/>
+              <a:rPr lang="en-US" dirty="0"/>
               <a:t>© Copyright 2000-</a:t>
             </a:r>
             <a:r>
-              <a:rPr lang="is-IS" dirty="0" smtClean="0"/>
+              <a:rPr lang="is-IS" dirty="0"/>
               <a:t>2017</a:t>
             </a:r>
             <a:r>
-              <a:rPr lang="en-US" dirty="0" smtClean="0"/>
+              <a:rPr lang="en-US" dirty="0"/>
               <a:t> TIBCO Software Inc.      </a:t>
             </a:r>
-            <a:endParaRPr lang="en-US" dirty="0"/>
           </a:p>
         </p:txBody>
       </p:sp>
@@ -9649,13 +9399,6 @@
       </p:transition>
     </mc:Fallback>
   </mc:AlternateContent>
-  <p:timing>
-    <p:tnLst>
-      <p:par>
-        <p:cTn id="1" dur="indefinite" restart="never" nodeType="tmRoot"/>
-      </p:par>
-    </p:tnLst>
-  </p:timing>
 </p:sldLayout>
 </file>
 
@@ -9692,7 +9435,7 @@
           <a:lstStyle/>
           <a:p>
             <a:r>
-              <a:rPr lang="en-US" smtClean="0"/>
+              <a:rPr lang="en-US"/>
               <a:t>Click to edit Master title style</a:t>
             </a:r>
             <a:endParaRPr lang="en-US" dirty="0"/>
@@ -9733,18 +9476,17 @@
           </a:lstStyle>
           <a:p>
             <a:r>
-              <a:rPr lang="en-US" dirty="0" smtClean="0"/>
+              <a:rPr lang="en-US" dirty="0"/>
               <a:t>© Copyright 2000-</a:t>
             </a:r>
             <a:r>
-              <a:rPr lang="is-IS" dirty="0" smtClean="0"/>
+              <a:rPr lang="is-IS" dirty="0"/>
               <a:t>2017</a:t>
             </a:r>
             <a:r>
-              <a:rPr lang="en-US" dirty="0" smtClean="0"/>
+              <a:rPr lang="en-US" dirty="0"/>
               <a:t> TIBCO Software Inc.      </a:t>
             </a:r>
-            <a:endParaRPr lang="en-US" dirty="0"/>
           </a:p>
         </p:txBody>
       </p:sp>
@@ -9812,38 +9554,37 @@
           <a:p>
             <a:pPr lvl="0"/>
             <a:r>
-              <a:rPr lang="en-US" dirty="0" smtClean="0"/>
+              <a:rPr lang="en-US" dirty="0"/>
               <a:t>Primary Bullet Arial 20pt</a:t>
             </a:r>
           </a:p>
           <a:p>
             <a:pPr lvl="1"/>
             <a:r>
-              <a:rPr lang="en-US" dirty="0" smtClean="0"/>
+              <a:rPr lang="en-US" dirty="0"/>
               <a:t>Secondary Bullet Arial 18pt</a:t>
             </a:r>
           </a:p>
           <a:p>
             <a:pPr lvl="2"/>
             <a:r>
-              <a:rPr lang="en-US" dirty="0" smtClean="0"/>
+              <a:rPr lang="en-US" dirty="0"/>
               <a:t>Tertiary Bullet Arial 16pt</a:t>
             </a:r>
           </a:p>
           <a:p>
             <a:pPr lvl="3"/>
             <a:r>
-              <a:rPr lang="en-US" dirty="0" smtClean="0"/>
+              <a:rPr lang="en-US" dirty="0"/>
               <a:t>Fourth level</a:t>
             </a:r>
           </a:p>
           <a:p>
             <a:pPr lvl="4"/>
             <a:r>
-              <a:rPr lang="en-US" dirty="0" smtClean="0"/>
+              <a:rPr lang="en-US" dirty="0"/>
               <a:t>Fifth level</a:t>
             </a:r>
-            <a:endParaRPr lang="en-US" dirty="0"/>
           </a:p>
         </p:txBody>
       </p:sp>
@@ -9911,38 +9652,37 @@
           <a:p>
             <a:pPr lvl="0"/>
             <a:r>
-              <a:rPr lang="en-US" dirty="0" smtClean="0"/>
+              <a:rPr lang="en-US" dirty="0"/>
               <a:t>Primary Bullet Arial 20pt</a:t>
             </a:r>
           </a:p>
           <a:p>
             <a:pPr lvl="1"/>
             <a:r>
-              <a:rPr lang="en-US" dirty="0" smtClean="0"/>
+              <a:rPr lang="en-US" dirty="0"/>
               <a:t>Secondary Bullet Arial 18pt</a:t>
             </a:r>
           </a:p>
           <a:p>
             <a:pPr lvl="2"/>
             <a:r>
-              <a:rPr lang="en-US" dirty="0" smtClean="0"/>
+              <a:rPr lang="en-US" dirty="0"/>
               <a:t>Tertiary Bullet Arial 16pt</a:t>
             </a:r>
           </a:p>
           <a:p>
             <a:pPr lvl="3"/>
             <a:r>
-              <a:rPr lang="en-US" dirty="0" smtClean="0"/>
+              <a:rPr lang="en-US" dirty="0"/>
               <a:t>Fourth level</a:t>
             </a:r>
           </a:p>
           <a:p>
             <a:pPr lvl="4"/>
             <a:r>
-              <a:rPr lang="en-US" dirty="0" smtClean="0"/>
+              <a:rPr lang="en-US" dirty="0"/>
               <a:t>Fifth level</a:t>
             </a:r>
-            <a:endParaRPr lang="en-US" dirty="0"/>
           </a:p>
         </p:txBody>
       </p:sp>
@@ -9968,13 +9708,6 @@
       </p:transition>
     </mc:Fallback>
   </mc:AlternateContent>
-  <p:timing>
-    <p:tnLst>
-      <p:par>
-        <p:cTn id="1" dur="indefinite" restart="never" nodeType="tmRoot"/>
-      </p:par>
-    </p:tnLst>
-  </p:timing>
 </p:sldLayout>
 </file>
 
@@ -10069,18 +9802,17 @@
           <a:lstStyle/>
           <a:p>
             <a:r>
-              <a:rPr lang="en-US" dirty="0" smtClean="0"/>
+              <a:rPr lang="en-US" dirty="0"/>
               <a:t>© Copyright 2000-</a:t>
             </a:r>
             <a:r>
-              <a:rPr lang="is-IS" dirty="0" smtClean="0"/>
+              <a:rPr lang="is-IS" dirty="0"/>
               <a:t>2017</a:t>
             </a:r>
             <a:r>
-              <a:rPr lang="en-US" dirty="0" smtClean="0"/>
+              <a:rPr lang="en-US" dirty="0"/>
               <a:t> TIBCO Software Inc.      </a:t>
             </a:r>
-            <a:endParaRPr lang="en-US" dirty="0"/>
           </a:p>
         </p:txBody>
       </p:sp>
@@ -10100,10 +9832,9 @@
           <a:lstStyle/>
           <a:p>
             <a:r>
-              <a:rPr lang="en-US" smtClean="0"/>
+              <a:rPr lang="en-US"/>
               <a:t>Click to edit Master title style</a:t>
             </a:r>
-            <a:endParaRPr lang="en-US"/>
           </a:p>
         </p:txBody>
       </p:sp>
@@ -10129,13 +9860,6 @@
       </p:transition>
     </mc:Fallback>
   </mc:AlternateContent>
-  <p:timing>
-    <p:tnLst>
-      <p:par>
-        <p:cTn id="1" dur="indefinite" restart="never" nodeType="tmRoot"/>
-      </p:par>
-    </p:tnLst>
-  </p:timing>
 </p:sldLayout>
 </file>
 
@@ -10255,18 +9979,17 @@
           </a:lstStyle>
           <a:p>
             <a:r>
-              <a:rPr lang="en-US" dirty="0" smtClean="0"/>
+              <a:rPr lang="en-US" dirty="0"/>
               <a:t>© Copyright 2000-</a:t>
             </a:r>
             <a:r>
-              <a:rPr lang="is-IS" dirty="0" smtClean="0"/>
+              <a:rPr lang="is-IS" dirty="0"/>
               <a:t>2017</a:t>
             </a:r>
             <a:r>
-              <a:rPr lang="en-US" dirty="0" smtClean="0"/>
+              <a:rPr lang="en-US" dirty="0"/>
               <a:t> TIBCO Software Inc.      </a:t>
             </a:r>
-            <a:endParaRPr lang="en-US" dirty="0"/>
           </a:p>
         </p:txBody>
       </p:sp>
@@ -10286,7 +10009,7 @@
           <a:lstStyle/>
           <a:p>
             <a:r>
-              <a:rPr lang="en-US" smtClean="0"/>
+              <a:rPr lang="en-US"/>
               <a:t>Click to edit Master title style</a:t>
             </a:r>
             <a:endParaRPr lang="en-US" dirty="0"/>
@@ -10351,13 +10074,6 @@
       </p:transition>
     </mc:Fallback>
   </mc:AlternateContent>
-  <p:timing>
-    <p:tnLst>
-      <p:par>
-        <p:cTn id="1" dur="indefinite" restart="never" nodeType="tmRoot"/>
-      </p:par>
-    </p:tnLst>
-  </p:timing>
 </p:sldLayout>
 </file>
 
@@ -10468,7 +10184,7 @@
               <a:buNone/>
             </a:pPr>
             <a:r>
-              <a:rPr lang="en-US" sz="2000" dirty="0" smtClean="0">
+              <a:rPr lang="en-US" sz="2000" dirty="0">
                 <a:solidFill>
                   <a:srgbClr val="FFFFFF"/>
                 </a:solidFill>
@@ -10477,13 +10193,6 @@
               </a:rPr>
               <a:t>The following information is confidential information of TIBCO Software Inc.  Use, duplication, transmission, or republication for any purpose without the prior written consent of TIBCO is expressly prohibited.</a:t>
             </a:r>
-            <a:endParaRPr lang="en-US" sz="2000" dirty="0">
-              <a:solidFill>
-                <a:srgbClr val="FFFFFF"/>
-              </a:solidFill>
-              <a:latin typeface="+mn-lt"/>
-              <a:cs typeface="Helvetica"/>
-            </a:endParaRPr>
           </a:p>
         </p:txBody>
       </p:sp>
@@ -10510,7 +10219,7 @@
           <a:lstStyle/>
           <a:p>
             <a:r>
-              <a:rPr lang="en-US" sz="2800" dirty="0" smtClean="0">
+              <a:rPr lang="en-US" sz="2800" dirty="0">
                 <a:solidFill>
                   <a:srgbClr val="FFFFFF"/>
                 </a:solidFill>
@@ -10518,12 +10227,6 @@
               </a:rPr>
               <a:t>CONFIDENTIALITY</a:t>
             </a:r>
-            <a:endParaRPr lang="en-US" sz="2800" dirty="0">
-              <a:solidFill>
-                <a:srgbClr val="FFFFFF"/>
-              </a:solidFill>
-              <a:latin typeface="+mj-lt"/>
-            </a:endParaRPr>
           </a:p>
         </p:txBody>
       </p:sp>
@@ -10561,18 +10264,17 @@
           </a:lstStyle>
           <a:p>
             <a:r>
-              <a:rPr lang="en-US" dirty="0" smtClean="0"/>
+              <a:rPr lang="en-US" dirty="0"/>
               <a:t>© Copyright 2000-</a:t>
             </a:r>
             <a:r>
-              <a:rPr lang="is-IS" dirty="0" smtClean="0"/>
+              <a:rPr lang="is-IS" dirty="0"/>
               <a:t>2017</a:t>
             </a:r>
             <a:r>
-              <a:rPr lang="en-US" dirty="0" smtClean="0"/>
+              <a:rPr lang="en-US" dirty="0"/>
               <a:t> TIBCO Software Inc.      </a:t>
             </a:r>
-            <a:endParaRPr lang="en-US" dirty="0"/>
           </a:p>
         </p:txBody>
       </p:sp>
@@ -10634,13 +10336,6 @@
       </p:transition>
     </mc:Fallback>
   </mc:AlternateContent>
-  <p:timing>
-    <p:tnLst>
-      <p:par>
-        <p:cTn id="1" dur="indefinite" restart="never" nodeType="tmRoot"/>
-      </p:par>
-    </p:tnLst>
-  </p:timing>
 </p:sldLayout>
 </file>
 
@@ -10749,7 +10444,7 @@
           <a:lstStyle/>
           <a:p>
             <a:r>
-              <a:rPr lang="en-US" sz="2800" dirty="0" smtClean="0">
+              <a:rPr lang="en-US" sz="2800" dirty="0">
                 <a:solidFill>
                   <a:srgbClr val="FFFFFF"/>
                 </a:solidFill>
@@ -10757,12 +10452,6 @@
               </a:rPr>
               <a:t>DISCLAIMER</a:t>
             </a:r>
-            <a:endParaRPr lang="en-US" sz="2800" dirty="0">
-              <a:solidFill>
-                <a:srgbClr val="FFFFFF"/>
-              </a:solidFill>
-              <a:latin typeface="+mj-lt"/>
-            </a:endParaRPr>
           </a:p>
         </p:txBody>
       </p:sp>
@@ -10791,7 +10480,7 @@
               <a:buNone/>
             </a:pPr>
             <a:r>
-              <a:rPr lang="en-US" sz="1400" dirty="0" smtClean="0">
+              <a:rPr lang="en-US" sz="1400" dirty="0">
                 <a:solidFill>
                   <a:srgbClr val="FFFFFF"/>
                 </a:solidFill>
@@ -10805,7 +10494,7 @@
             <a:pPr marL="0" indent="0" algn="l">
               <a:buNone/>
             </a:pPr>
-            <a:endParaRPr lang="en-US" sz="1400" dirty="0" smtClean="0">
+            <a:endParaRPr lang="en-US" sz="1400" dirty="0">
               <a:solidFill>
                 <a:srgbClr val="FFFFFF"/>
               </a:solidFill>
@@ -10818,7 +10507,7 @@
               <a:buNone/>
             </a:pPr>
             <a:r>
-              <a:rPr lang="en-US" sz="1400" dirty="0" smtClean="0">
+              <a:rPr lang="en-US" sz="1400" dirty="0">
                 <a:solidFill>
                   <a:srgbClr val="FFFFFF"/>
                 </a:solidFill>
@@ -10832,7 +10521,7 @@
             <a:pPr marL="0" indent="0" algn="l">
               <a:buNone/>
             </a:pPr>
-            <a:endParaRPr lang="en-US" sz="1400" dirty="0" smtClean="0">
+            <a:endParaRPr lang="en-US" sz="1400" dirty="0">
               <a:solidFill>
                 <a:srgbClr val="FFFFFF"/>
               </a:solidFill>
@@ -10845,7 +10534,7 @@
               <a:buNone/>
             </a:pPr>
             <a:r>
-              <a:rPr lang="en-US" sz="1400" dirty="0" smtClean="0">
+              <a:rPr lang="en-US" sz="1400" dirty="0">
                 <a:solidFill>
                   <a:srgbClr val="FFFFFF"/>
                 </a:solidFill>
@@ -10854,13 +10543,6 @@
               </a:rPr>
               <a:t>During the course of this presentation TIBCO or its representatives may make forward-looking statements regarding future events, TIBCO’s future results or our future financial performance.  These statements are based on management’s current expectations.  Although we believe that the expectations reflected in the forward-looking statements contained in this presentation are reasonable, these expectations or any of the forward-looking statements could prove to be incorrect and actual results or financial performance could differ materially from those stated herein. TIBCO does not undertake to update any forward-looking statement that may be made from time to time or on its behalf.</a:t>
             </a:r>
-            <a:endParaRPr lang="en-US" sz="1400" dirty="0">
-              <a:solidFill>
-                <a:srgbClr val="FFFFFF"/>
-              </a:solidFill>
-              <a:latin typeface="+mn-lt"/>
-              <a:cs typeface="Helvetica"/>
-            </a:endParaRPr>
           </a:p>
         </p:txBody>
       </p:sp>
@@ -10922,13 +10604,6 @@
       </p:transition>
     </mc:Fallback>
   </mc:AlternateContent>
-  <p:timing>
-    <p:tnLst>
-      <p:par>
-        <p:cTn id="1" dur="indefinite" restart="never" nodeType="tmRoot"/>
-      </p:par>
-    </p:tnLst>
-  </p:timing>
 </p:sldLayout>
 </file>
 
@@ -11070,7 +10745,7 @@
           <a:lstStyle/>
           <a:p>
             <a:r>
-              <a:rPr lang="en-US" smtClean="0"/>
+              <a:rPr lang="en-US"/>
               <a:t>Click to edit Master title style</a:t>
             </a:r>
             <a:endParaRPr lang="en-US" dirty="0"/>
@@ -11111,18 +10786,17 @@
           </a:lstStyle>
           <a:p>
             <a:r>
-              <a:rPr lang="en-US" dirty="0" smtClean="0"/>
+              <a:rPr lang="en-US" dirty="0"/>
               <a:t>© Copyright 2000-</a:t>
             </a:r>
             <a:r>
-              <a:rPr lang="is-IS" dirty="0" smtClean="0"/>
+              <a:rPr lang="is-IS" dirty="0"/>
               <a:t>2017</a:t>
             </a:r>
             <a:r>
-              <a:rPr lang="en-US" dirty="0" smtClean="0"/>
+              <a:rPr lang="en-US" dirty="0"/>
               <a:t> TIBCO Software Inc.      </a:t>
             </a:r>
-            <a:endParaRPr lang="en-US" dirty="0"/>
           </a:p>
         </p:txBody>
       </p:sp>
@@ -11153,35 +10827,35 @@
           <a:p>
             <a:pPr lvl="0"/>
             <a:r>
-              <a:rPr lang="en-US" smtClean="0"/>
+              <a:rPr lang="en-US"/>
               <a:t>Click to edit Master text styles</a:t>
             </a:r>
           </a:p>
           <a:p>
             <a:pPr lvl="1"/>
             <a:r>
-              <a:rPr lang="en-US" smtClean="0"/>
+              <a:rPr lang="en-US"/>
               <a:t>Second level</a:t>
             </a:r>
           </a:p>
           <a:p>
             <a:pPr lvl="2"/>
             <a:r>
-              <a:rPr lang="en-US" smtClean="0"/>
+              <a:rPr lang="en-US"/>
               <a:t>Third level</a:t>
             </a:r>
           </a:p>
           <a:p>
             <a:pPr lvl="3"/>
             <a:r>
-              <a:rPr lang="en-US" smtClean="0"/>
+              <a:rPr lang="en-US"/>
               <a:t>Fourth level</a:t>
             </a:r>
           </a:p>
           <a:p>
             <a:pPr lvl="4"/>
             <a:r>
-              <a:rPr lang="en-US" smtClean="0"/>
+              <a:rPr lang="en-US"/>
               <a:t>Fifth level</a:t>
             </a:r>
             <a:endParaRPr lang="en-US" dirty="0"/>
@@ -11264,7 +10938,7 @@
           <a:p>
             <a:fld id="{00304EB4-CF6A-424C-A418-10DCB6C4742F}" type="datetime1">
               <a:rPr lang="en-US" smtClean="0"/>
-              <a:t>12/14/17</a:t>
+              <a:t>8/26/2020</a:t>
             </a:fld>
             <a:endParaRPr lang="en-US"/>
           </a:p>
@@ -11302,13 +10976,6 @@
       </p:transition>
     </mc:Fallback>
   </mc:AlternateContent>
-  <p:timing>
-    <p:tnLst>
-      <p:par>
-        <p:cTn id="1" dur="indefinite" restart="never" nodeType="tmRoot"/>
-      </p:par>
-    </p:tnLst>
-  </p:timing>
   <p:hf sldNum="0" hdr="0" dt="0"/>
   <p:txStyles>
     <p:titleStyle>
@@ -11615,35 +11282,35 @@
           <a:p>
             <a:pPr lvl="0"/>
             <a:r>
-              <a:rPr lang="en-US" smtClean="0"/>
+              <a:rPr lang="en-US"/>
               <a:t>Click to edit Master text styles</a:t>
             </a:r>
           </a:p>
           <a:p>
             <a:pPr lvl="1"/>
             <a:r>
-              <a:rPr lang="en-US" smtClean="0"/>
+              <a:rPr lang="en-US"/>
               <a:t>Second level</a:t>
             </a:r>
           </a:p>
           <a:p>
             <a:pPr lvl="2"/>
             <a:r>
-              <a:rPr lang="en-US" smtClean="0"/>
+              <a:rPr lang="en-US"/>
               <a:t>Third level</a:t>
             </a:r>
           </a:p>
           <a:p>
             <a:pPr lvl="3"/>
             <a:r>
-              <a:rPr lang="en-US" smtClean="0"/>
+              <a:rPr lang="en-US"/>
               <a:t>Fourth level</a:t>
             </a:r>
           </a:p>
           <a:p>
             <a:pPr lvl="4"/>
             <a:r>
-              <a:rPr lang="en-US" smtClean="0"/>
+              <a:rPr lang="en-US"/>
               <a:t>Fifth level</a:t>
             </a:r>
             <a:endParaRPr lang="en-US" dirty="0"/>
@@ -11672,13 +11339,6 @@
     <p:sldLayoutId id="2147483761" r:id="rId11"/>
     <p:sldLayoutId id="2147483766" r:id="rId12"/>
   </p:sldLayoutIdLst>
-  <p:timing>
-    <p:tnLst>
-      <p:par>
-        <p:cTn id="1" dur="indefinite" restart="never" nodeType="tmRoot"/>
-      </p:par>
-    </p:tnLst>
-  </p:timing>
   <p:hf sldNum="0" hdr="0" dt="0"/>
   <p:txStyles>
     <p:titleStyle>
@@ -11976,23 +11636,18 @@
           <a:lstStyle/>
           <a:p>
             <a:r>
-              <a:rPr lang="en-US" sz="2200" dirty="0" smtClean="0"/>
+              <a:rPr lang="en-US" sz="2200" dirty="0"/>
               <a:t>Data Virtualization</a:t>
             </a:r>
           </a:p>
           <a:p>
-            <a:endParaRPr lang="en-US" sz="2200" dirty="0" smtClean="0"/>
+            <a:endParaRPr lang="en-US" sz="2200" dirty="0"/>
           </a:p>
           <a:p>
             <a:r>
-              <a:rPr lang="en-US" sz="2200" dirty="0" smtClean="0"/>
-              <a:t>PDTool Training </a:t>
+              <a:rPr lang="en-US" sz="2200" dirty="0"/>
+              <a:t>PDTool Training Introduction</a:t>
             </a:r>
-            <a:r>
-              <a:rPr lang="en-US" sz="2200" dirty="0" smtClean="0"/>
-              <a:t>Introduction</a:t>
-            </a:r>
-            <a:endParaRPr lang="en-US" sz="2200" dirty="0"/>
           </a:p>
         </p:txBody>
       </p:sp>
@@ -12022,16 +11677,15 @@
           <a:lstStyle/>
           <a:p>
             <a:r>
-              <a:rPr lang="en-US" dirty="0" smtClean="0"/>
+              <a:rPr lang="en-US" dirty="0"/>
               <a:t>Presenter</a:t>
             </a:r>
           </a:p>
           <a:p>
             <a:r>
-              <a:rPr lang="en-US" dirty="0" smtClean="0"/>
+              <a:rPr lang="en-US" dirty="0"/>
               <a:t>Title</a:t>
             </a:r>
-            <a:endParaRPr lang="en-US" dirty="0"/>
           </a:p>
         </p:txBody>
       </p:sp>
@@ -12051,7 +11705,7 @@
           <a:lstStyle/>
           <a:p>
             <a:r>
-              <a:rPr lang="en-US" dirty="0" smtClean="0">
+              <a:rPr lang="en-US" dirty="0">
                 <a:solidFill>
                   <a:srgbClr val="DCDDDE"/>
                 </a:solidFill>
@@ -12101,13 +11755,6 @@
   <p:clrMapOvr>
     <a:masterClrMapping/>
   </p:clrMapOvr>
-  <p:timing>
-    <p:tnLst>
-      <p:par>
-        <p:cTn id="1" dur="indefinite" restart="never" nodeType="tmRoot"/>
-      </p:par>
-    </p:tnLst>
-  </p:timing>
 </p:sld>
 </file>
 
@@ -12150,7 +11797,7 @@
           <a:p>
             <a:pPr algn="l" eaLnBrk="1" hangingPunct="1"/>
             <a:r>
-              <a:rPr lang="en-US" dirty="0" smtClean="0">
+              <a:rPr lang="en-US" dirty="0">
                 <a:solidFill>
                   <a:schemeClr val="bg1"/>
                 </a:solidFill>
@@ -12188,7 +11835,7 @@
           <a:lstStyle/>
           <a:p>
             <a:r>
-              <a:rPr lang="en-US" sz="2000" dirty="0" smtClean="0"/>
+              <a:rPr lang="en-US" sz="2000" dirty="0"/>
               <a:t>Questions?</a:t>
             </a:r>
             <a:endParaRPr lang="en-US" sz="2000" dirty="0">
@@ -12314,7 +11961,7 @@
           <a:p>
             <a:pPr algn="ctr"/>
             <a:r>
-              <a:rPr lang="en-US" sz="800" dirty="0" smtClean="0">
+              <a:rPr lang="en-US" sz="800" dirty="0">
                 <a:solidFill>
                   <a:schemeClr val="bg1">
                     <a:lumMod val="65000"/>
@@ -12324,7 +11971,7 @@
               <a:t>© Copyright 2000-</a:t>
             </a:r>
             <a:r>
-              <a:rPr lang="is-IS" sz="800" dirty="0" smtClean="0">
+              <a:rPr lang="is-IS" sz="800" dirty="0">
                 <a:solidFill>
                   <a:schemeClr val="bg1">
                     <a:lumMod val="65000"/>
@@ -12334,7 +11981,7 @@
               <a:t>2017</a:t>
             </a:r>
             <a:r>
-              <a:rPr lang="en-US" sz="800" dirty="0" smtClean="0">
+              <a:rPr lang="en-US" sz="800" dirty="0">
                 <a:solidFill>
                   <a:schemeClr val="bg1">
                     <a:lumMod val="65000"/>
@@ -12343,13 +11990,6 @@
               </a:rPr>
               <a:t> TIBCO Software Inc.      </a:t>
             </a:r>
-            <a:endParaRPr lang="en-US" sz="800" dirty="0">
-              <a:solidFill>
-                <a:schemeClr val="bg1">
-                  <a:lumMod val="65000"/>
-                </a:schemeClr>
-              </a:solidFill>
-            </a:endParaRPr>
           </a:p>
         </p:txBody>
       </p:sp>
@@ -12363,13 +12003,6 @@
   <p:clrMapOvr>
     <a:masterClrMapping/>
   </p:clrMapOvr>
-  <p:timing>
-    <p:tnLst>
-      <p:par>
-        <p:cTn id="1" dur="indefinite" restart="never" nodeType="tmRoot"/>
-      </p:par>
-    </p:tnLst>
-  </p:timing>
 </p:sld>
 </file>
 
@@ -12400,21 +12033,6 @@
   <p:clrMapOvr>
     <a:masterClrMapping/>
   </p:clrMapOvr>
-  <mc:AlternateContent xmlns:mc="http://schemas.openxmlformats.org/markup-compatibility/2006" xmlns:p14="http://schemas.microsoft.com/office/powerpoint/2010/main">
-    <mc:Choice Requires="p14">
-      <p:transition spd="slow" p14:dur="2000"/>
-    </mc:Choice>
-    <mc:Fallback xmlns="">
-      <p:transition xmlns:p14="http://schemas.microsoft.com/office/powerpoint/2010/main" spd="slow"/>
-    </mc:Fallback>
-  </mc:AlternateContent>
-  <p:timing>
-    <p:tnLst>
-      <p:par>
-        <p:cTn id="1" dur="indefinite" restart="never" nodeType="tmRoot"/>
-      </p:par>
-    </p:tnLst>
-  </p:timing>
 </p:sld>
 </file>
 
@@ -12451,10 +12069,9 @@
           <a:lstStyle/>
           <a:p>
             <a:r>
-              <a:rPr lang="en-US" dirty="0" smtClean="0"/>
+              <a:rPr lang="en-US" dirty="0"/>
               <a:t>Agenda</a:t>
             </a:r>
-            <a:endParaRPr lang="en-US" dirty="0"/>
           </a:p>
         </p:txBody>
       </p:sp>
@@ -12499,18 +12116,17 @@
           <a:lstStyle/>
           <a:p>
             <a:r>
-              <a:rPr lang="en-US" dirty="0" smtClean="0"/>
+              <a:rPr lang="en-US" dirty="0"/>
               <a:t>© Copyright 2000-</a:t>
             </a:r>
             <a:r>
-              <a:rPr lang="is-IS" dirty="0" smtClean="0"/>
+              <a:rPr lang="is-IS" dirty="0"/>
               <a:t>2017</a:t>
             </a:r>
             <a:r>
-              <a:rPr lang="en-US" dirty="0" smtClean="0"/>
+              <a:rPr lang="en-US" dirty="0"/>
               <a:t> TIBCO Software Inc.      </a:t>
             </a:r>
-            <a:endParaRPr lang="en-US" dirty="0"/>
           </a:p>
         </p:txBody>
       </p:sp>
@@ -12536,13 +12152,6 @@
       </p:transition>
     </mc:Fallback>
   </mc:AlternateContent>
-  <p:timing>
-    <p:tnLst>
-      <p:par>
-        <p:cTn id="1" dur="indefinite" restart="never" nodeType="tmRoot"/>
-      </p:par>
-    </p:tnLst>
-  </p:timing>
 </p:sld>
 </file>
 
@@ -12585,7 +12194,7 @@
           <a:p>
             <a:pPr algn="l" eaLnBrk="1" hangingPunct="1"/>
             <a:r>
-              <a:rPr lang="en-US" dirty="0" smtClean="0">
+              <a:rPr lang="en-US" dirty="0">
                 <a:solidFill>
                   <a:schemeClr val="bg1"/>
                 </a:solidFill>
@@ -12624,15 +12233,7 @@
           <a:p>
             <a:r>
               <a:rPr lang="en-US" sz="2000" dirty="0"/>
-              <a:t>(c) </a:t>
-            </a:r>
-            <a:r>
-              <a:rPr lang="en-US" sz="2000" dirty="0" smtClean="0"/>
-              <a:t>2017 </a:t>
-            </a:r>
-            <a:r>
-              <a:rPr lang="en-US" sz="2000" dirty="0"/>
-              <a:t>Cisco and/or its affiliates. All rights reserved.</a:t>
+              <a:t>(c) 2017 Cisco and/or its affiliates. All rights reserved.</a:t>
             </a:r>
           </a:p>
           <a:p>
@@ -12865,7 +12466,7 @@
           <a:p>
             <a:pPr algn="ctr"/>
             <a:r>
-              <a:rPr lang="en-US" sz="800" dirty="0" smtClean="0">
+              <a:rPr lang="en-US" sz="800" dirty="0">
                 <a:solidFill>
                   <a:schemeClr val="bg1">
                     <a:lumMod val="65000"/>
@@ -12875,7 +12476,7 @@
               <a:t>© Copyright 2000-</a:t>
             </a:r>
             <a:r>
-              <a:rPr lang="is-IS" sz="800" dirty="0" smtClean="0">
+              <a:rPr lang="is-IS" sz="800" dirty="0">
                 <a:solidFill>
                   <a:schemeClr val="bg1">
                     <a:lumMod val="65000"/>
@@ -12885,7 +12486,7 @@
               <a:t>2017</a:t>
             </a:r>
             <a:r>
-              <a:rPr lang="en-US" sz="800" dirty="0" smtClean="0">
+              <a:rPr lang="en-US" sz="800" dirty="0">
                 <a:solidFill>
                   <a:schemeClr val="bg1">
                     <a:lumMod val="65000"/>
@@ -12894,13 +12495,6 @@
               </a:rPr>
               <a:t> TIBCO Software Inc.      </a:t>
             </a:r>
-            <a:endParaRPr lang="en-US" sz="800" dirty="0">
-              <a:solidFill>
-                <a:schemeClr val="bg1">
-                  <a:lumMod val="65000"/>
-                </a:schemeClr>
-              </a:solidFill>
-            </a:endParaRPr>
           </a:p>
         </p:txBody>
       </p:sp>
@@ -12914,13 +12508,6 @@
   <p:clrMapOvr>
     <a:masterClrMapping/>
   </p:clrMapOvr>
-  <p:timing>
-    <p:tnLst>
-      <p:par>
-        <p:cTn id="1" dur="indefinite" restart="never" nodeType="tmRoot"/>
-      </p:par>
-    </p:tnLst>
-  </p:timing>
 </p:sld>
 </file>
 
@@ -12963,7 +12550,7 @@
           <a:p>
             <a:pPr algn="l" eaLnBrk="1" hangingPunct="1"/>
             <a:r>
-              <a:rPr lang="en-US" dirty="0" smtClean="0">
+              <a:rPr lang="en-US" dirty="0">
                 <a:solidFill>
                   <a:schemeClr val="bg1"/>
                 </a:solidFill>
@@ -13009,33 +12596,17 @@
             <a:pPr lvl="1"/>
             <a:r>
               <a:rPr lang="en-US" sz="2400" dirty="0"/>
-              <a:t>Built </a:t>
-            </a:r>
-            <a:r>
-              <a:rPr lang="en-US" sz="2400" dirty="0" smtClean="0"/>
-              <a:t>by TIBCO Professional Services </a:t>
-            </a:r>
-            <a:r>
-              <a:rPr lang="en-US" sz="2400" dirty="0"/>
-              <a:t>team.</a:t>
+              <a:t>Built by TIBCO Professional Services team.</a:t>
             </a:r>
           </a:p>
           <a:p>
             <a:pPr lvl="1"/>
             <a:r>
               <a:rPr lang="en-US" sz="2400" dirty="0"/>
-              <a:t>Delivered as a </a:t>
+              <a:t>Delivered as a TIBCO open source initiative on </a:t>
             </a:r>
             <a:r>
-              <a:rPr lang="en-US" sz="2400" dirty="0" smtClean="0"/>
-              <a:t>TIBCO open </a:t>
-            </a:r>
-            <a:r>
-              <a:rPr lang="en-US" sz="2400" dirty="0"/>
-              <a:t>source initiative on </a:t>
-            </a:r>
-            <a:r>
-              <a:rPr lang="en-US" sz="2400" dirty="0" err="1" smtClean="0"/>
+              <a:rPr lang="en-US" sz="2400" dirty="0" err="1"/>
               <a:t>Github</a:t>
             </a:r>
             <a:endParaRPr lang="en-US" sz="2400" dirty="0"/>
@@ -13046,16 +12617,10 @@
               <a:rPr lang="en-US" sz="2200" dirty="0">
                 <a:hlinkClick r:id="rId3"/>
               </a:rPr>
-              <a:t>https://</a:t>
+              <a:t>https://github.com/TIBCOSoftware/</a:t>
             </a:r>
             <a:r>
-              <a:rPr lang="en-US" sz="2200" dirty="0" smtClean="0">
-                <a:hlinkClick r:id="rId3"/>
-              </a:rPr>
-              <a:t>github.com/TIBCOSoftware/</a:t>
-            </a:r>
-            <a:r>
-              <a:rPr lang="en-US" sz="2200" dirty="0" err="1" smtClean="0">
+              <a:rPr lang="en-US" sz="2200" dirty="0" err="1">
                 <a:hlinkClick r:id="rId3"/>
               </a:rPr>
               <a:t>PDToolRelease</a:t>
@@ -13065,20 +12630,8 @@
           <a:p>
             <a:pPr lvl="1"/>
             <a:r>
-              <a:rPr lang="en-US" sz="2400" dirty="0" smtClean="0"/>
-              <a:t>TIBCO recommends </a:t>
-            </a:r>
-            <a:r>
               <a:rPr lang="en-US" sz="2400" dirty="0"/>
-              <a:t>using </a:t>
-            </a:r>
-            <a:r>
-              <a:rPr lang="en-US" sz="2400" dirty="0" smtClean="0"/>
-              <a:t>Professional Services </a:t>
-            </a:r>
-            <a:r>
-              <a:rPr lang="en-US" sz="2400" dirty="0"/>
-              <a:t>for initial use cases.</a:t>
+              <a:t>TIBCO recommends using Professional Services for initial use cases.</a:t>
             </a:r>
           </a:p>
           <a:p>
@@ -13234,7 +12787,7 @@
           <a:p>
             <a:pPr algn="ctr"/>
             <a:r>
-              <a:rPr lang="en-US" sz="800" dirty="0" smtClean="0">
+              <a:rPr lang="en-US" sz="800" dirty="0">
                 <a:solidFill>
                   <a:schemeClr val="bg1">
                     <a:lumMod val="65000"/>
@@ -13244,7 +12797,7 @@
               <a:t>© Copyright 2000-</a:t>
             </a:r>
             <a:r>
-              <a:rPr lang="is-IS" sz="800" dirty="0" smtClean="0">
+              <a:rPr lang="is-IS" sz="800" dirty="0">
                 <a:solidFill>
                   <a:schemeClr val="bg1">
                     <a:lumMod val="65000"/>
@@ -13254,7 +12807,7 @@
               <a:t>2017</a:t>
             </a:r>
             <a:r>
-              <a:rPr lang="en-US" sz="800" dirty="0" smtClean="0">
+              <a:rPr lang="en-US" sz="800" dirty="0">
                 <a:solidFill>
                   <a:schemeClr val="bg1">
                     <a:lumMod val="65000"/>
@@ -13263,13 +12816,6 @@
               </a:rPr>
               <a:t> TIBCO Software Inc.      </a:t>
             </a:r>
-            <a:endParaRPr lang="en-US" sz="800" dirty="0">
-              <a:solidFill>
-                <a:schemeClr val="bg1">
-                  <a:lumMod val="65000"/>
-                </a:schemeClr>
-              </a:solidFill>
-            </a:endParaRPr>
           </a:p>
         </p:txBody>
       </p:sp>
@@ -13283,13 +12829,6 @@
   <p:clrMapOvr>
     <a:masterClrMapping/>
   </p:clrMapOvr>
-  <p:timing>
-    <p:tnLst>
-      <p:par>
-        <p:cTn id="1" dur="indefinite" restart="never" nodeType="tmRoot"/>
-      </p:par>
-    </p:tnLst>
-  </p:timing>
 </p:sld>
 </file>
 
@@ -13332,7 +12871,7 @@
           <a:p>
             <a:pPr algn="l" eaLnBrk="1" hangingPunct="1"/>
             <a:r>
-              <a:rPr lang="en-US" dirty="0" smtClean="0">
+              <a:rPr lang="en-US" dirty="0">
                 <a:solidFill>
                   <a:schemeClr val="bg1"/>
                 </a:solidFill>
@@ -13365,26 +12904,9 @@
         </p:spPr>
         <p:txBody>
           <a:bodyPr>
-            <a:normAutofit fontScale="92500" lnSpcReduction="20000"/>
+            <a:normAutofit/>
           </a:bodyPr>
           <a:lstStyle/>
-          <a:p>
-            <a:r>
-              <a:rPr lang="en-US" sz="3200" dirty="0">
-                <a:ea typeface="ＭＳ Ｐゴシック" pitchFamily="34" charset="-128"/>
-              </a:rPr>
-              <a:t>Two Packages</a:t>
-            </a:r>
-          </a:p>
-          <a:p>
-            <a:pPr lvl="1"/>
-            <a:r>
-              <a:rPr lang="en-US" sz="2800" dirty="0">
-                <a:ea typeface="ＭＳ Ｐゴシック" pitchFamily="34" charset="-128"/>
-              </a:rPr>
-              <a:t>PD Tool Studio – CIS Studio Version Control Bridge</a:t>
-            </a:r>
-          </a:p>
           <a:p>
             <a:pPr lvl="1"/>
             <a:r>
@@ -13411,7 +12933,7 @@
             <a:pPr lvl="2"/>
             <a:r>
               <a:rPr lang="en-US" sz="2600" dirty="0"/>
-              <a:t>TFS, Subversion, Perforce, CVS</a:t>
+              <a:t>GIT, TFS, Subversion, Perforce</a:t>
             </a:r>
           </a:p>
           <a:p>
@@ -13427,7 +12949,6 @@
               <a:rPr lang="en-US" sz="2800" dirty="0"/>
               <a:t>Testing</a:t>
             </a:r>
-            <a:endParaRPr lang="en-US" sz="2800" dirty="0"/>
           </a:p>
         </p:txBody>
       </p:sp>
@@ -13548,7 +13069,7 @@
           <a:p>
             <a:pPr algn="ctr"/>
             <a:r>
-              <a:rPr lang="en-US" sz="800" dirty="0" smtClean="0">
+              <a:rPr lang="en-US" sz="800" dirty="0">
                 <a:solidFill>
                   <a:schemeClr val="bg1">
                     <a:lumMod val="65000"/>
@@ -13558,7 +13079,7 @@
               <a:t>© Copyright 2000-</a:t>
             </a:r>
             <a:r>
-              <a:rPr lang="is-IS" sz="800" dirty="0" smtClean="0">
+              <a:rPr lang="is-IS" sz="800" dirty="0">
                 <a:solidFill>
                   <a:schemeClr val="bg1">
                     <a:lumMod val="65000"/>
@@ -13568,7 +13089,7 @@
               <a:t>2017</a:t>
             </a:r>
             <a:r>
-              <a:rPr lang="en-US" sz="800" dirty="0" smtClean="0">
+              <a:rPr lang="en-US" sz="800" dirty="0">
                 <a:solidFill>
                   <a:schemeClr val="bg1">
                     <a:lumMod val="65000"/>
@@ -13577,13 +13098,6 @@
               </a:rPr>
               <a:t> TIBCO Software Inc.      </a:t>
             </a:r>
-            <a:endParaRPr lang="en-US" sz="800" dirty="0">
-              <a:solidFill>
-                <a:schemeClr val="bg1">
-                  <a:lumMod val="65000"/>
-                </a:schemeClr>
-              </a:solidFill>
-            </a:endParaRPr>
           </a:p>
         </p:txBody>
       </p:sp>
@@ -13597,13 +13111,6 @@
   <p:clrMapOvr>
     <a:masterClrMapping/>
   </p:clrMapOvr>
-  <p:timing>
-    <p:tnLst>
-      <p:par>
-        <p:cTn id="1" dur="indefinite" restart="never" nodeType="tmRoot"/>
-      </p:par>
-    </p:tnLst>
-  </p:timing>
 </p:sld>
 </file>
 
@@ -13646,7 +13153,7 @@
           <a:p>
             <a:pPr algn="l" eaLnBrk="1" hangingPunct="1"/>
             <a:r>
-              <a:rPr lang="en-US" dirty="0" smtClean="0">
+              <a:rPr lang="en-US" dirty="0">
                 <a:solidFill>
                   <a:schemeClr val="bg1"/>
                 </a:solidFill>
@@ -13866,7 +13373,7 @@
           <a:p>
             <a:pPr algn="ctr"/>
             <a:r>
-              <a:rPr lang="en-US" sz="800" dirty="0" smtClean="0">
+              <a:rPr lang="en-US" sz="800" dirty="0">
                 <a:solidFill>
                   <a:schemeClr val="bg1">
                     <a:lumMod val="65000"/>
@@ -13876,7 +13383,7 @@
               <a:t>© Copyright 2000-</a:t>
             </a:r>
             <a:r>
-              <a:rPr lang="is-IS" sz="800" dirty="0" smtClean="0">
+              <a:rPr lang="is-IS" sz="800" dirty="0">
                 <a:solidFill>
                   <a:schemeClr val="bg1">
                     <a:lumMod val="65000"/>
@@ -13886,7 +13393,7 @@
               <a:t>2017</a:t>
             </a:r>
             <a:r>
-              <a:rPr lang="en-US" sz="800" dirty="0" smtClean="0">
+              <a:rPr lang="en-US" sz="800" dirty="0">
                 <a:solidFill>
                   <a:schemeClr val="bg1">
                     <a:lumMod val="65000"/>
@@ -13895,13 +13402,6 @@
               </a:rPr>
               <a:t> TIBCO Software Inc.      </a:t>
             </a:r>
-            <a:endParaRPr lang="en-US" sz="800" dirty="0">
-              <a:solidFill>
-                <a:schemeClr val="bg1">
-                  <a:lumMod val="65000"/>
-                </a:schemeClr>
-              </a:solidFill>
-            </a:endParaRPr>
           </a:p>
         </p:txBody>
       </p:sp>
@@ -13915,13 +13415,6 @@
   <p:clrMapOvr>
     <a:masterClrMapping/>
   </p:clrMapOvr>
-  <p:timing>
-    <p:tnLst>
-      <p:par>
-        <p:cTn id="1" dur="indefinite" restart="never" nodeType="tmRoot"/>
-      </p:par>
-    </p:tnLst>
-  </p:timing>
 </p:sld>
 </file>
 
@@ -13964,7 +13457,7 @@
           <a:p>
             <a:pPr algn="l" eaLnBrk="1" hangingPunct="1"/>
             <a:r>
-              <a:rPr lang="en-US" dirty="0" smtClean="0">
+              <a:rPr lang="en-US" dirty="0">
                 <a:solidFill>
                   <a:schemeClr val="bg1"/>
                 </a:solidFill>
@@ -13997,37 +13490,17 @@
         </p:spPr>
         <p:txBody>
           <a:bodyPr>
-            <a:normAutofit fontScale="77500" lnSpcReduction="20000"/>
+            <a:normAutofit lnSpcReduction="10000"/>
           </a:bodyPr>
           <a:lstStyle/>
           <a:p>
             <a:r>
-              <a:rPr lang="en-US" sz="3200" dirty="0"/>
-              <a:t>PDTool Studio is focused on Version Control</a:t>
-            </a:r>
-          </a:p>
-          <a:p>
-            <a:pPr lvl="1"/>
-            <a:r>
-              <a:rPr lang="en-US" sz="2800" dirty="0"/>
-              <a:t>Audience</a:t>
-            </a:r>
-          </a:p>
-          <a:p>
-            <a:pPr lvl="2"/>
-            <a:r>
-              <a:rPr lang="en-US" sz="2400" b="1" dirty="0"/>
-              <a:t>Developers</a:t>
+              <a:rPr lang="en-US" sz="3200" dirty="0" err="1"/>
+              <a:t>PDTool</a:t>
             </a:r>
             <a:r>
-              <a:rPr lang="en-US" sz="2400" dirty="0"/>
-              <a:t> – Check-in code into a version control system for later deployment</a:t>
-            </a:r>
-          </a:p>
-          <a:p>
-            <a:r>
               <a:rPr lang="en-US" sz="3200" dirty="0"/>
-              <a:t>PDTool is focused on Deployment and Testing</a:t>
+              <a:t> is focused on Deployment and Testing</a:t>
             </a:r>
           </a:p>
           <a:p>
@@ -14056,15 +13529,7 @@
             </a:r>
             <a:r>
               <a:rPr lang="en-US" sz="2400" dirty="0"/>
-              <a:t>– Execute deployment plans to deploy Composite code to target </a:t>
-            </a:r>
-            <a:r>
-              <a:rPr lang="en-US" sz="2400" dirty="0" smtClean="0"/>
-              <a:t>DV servers</a:t>
-            </a:r>
-            <a:r>
-              <a:rPr lang="en-US" sz="2400" dirty="0"/>
-              <a:t>.</a:t>
+              <a:t>– Execute deployment plans to deploy Composite code to target DV servers.</a:t>
             </a:r>
           </a:p>
           <a:p>
@@ -14077,7 +13542,6 @@
               <a:rPr lang="en-US" sz="2400" dirty="0"/>
               <a:t>– Execute tests against Composite servers.</a:t>
             </a:r>
-            <a:endParaRPr lang="en-US" sz="2400" dirty="0"/>
           </a:p>
         </p:txBody>
       </p:sp>
@@ -14198,7 +13662,7 @@
           <a:p>
             <a:pPr algn="ctr"/>
             <a:r>
-              <a:rPr lang="en-US" sz="800" dirty="0" smtClean="0">
+              <a:rPr lang="en-US" sz="800" dirty="0">
                 <a:solidFill>
                   <a:schemeClr val="bg1">
                     <a:lumMod val="65000"/>
@@ -14208,7 +13672,7 @@
               <a:t>© Copyright 2000-</a:t>
             </a:r>
             <a:r>
-              <a:rPr lang="is-IS" sz="800" dirty="0" smtClean="0">
+              <a:rPr lang="is-IS" sz="800" dirty="0">
                 <a:solidFill>
                   <a:schemeClr val="bg1">
                     <a:lumMod val="65000"/>
@@ -14218,7 +13682,7 @@
               <a:t>2017</a:t>
             </a:r>
             <a:r>
-              <a:rPr lang="en-US" sz="800" dirty="0" smtClean="0">
+              <a:rPr lang="en-US" sz="800" dirty="0">
                 <a:solidFill>
                   <a:schemeClr val="bg1">
                     <a:lumMod val="65000"/>
@@ -14227,13 +13691,6 @@
               </a:rPr>
               <a:t> TIBCO Software Inc.      </a:t>
             </a:r>
-            <a:endParaRPr lang="en-US" sz="800" dirty="0">
-              <a:solidFill>
-                <a:schemeClr val="bg1">
-                  <a:lumMod val="65000"/>
-                </a:schemeClr>
-              </a:solidFill>
-            </a:endParaRPr>
           </a:p>
         </p:txBody>
       </p:sp>
@@ -14247,13 +13704,6 @@
   <p:clrMapOvr>
     <a:masterClrMapping/>
   </p:clrMapOvr>
-  <p:timing>
-    <p:tnLst>
-      <p:par>
-        <p:cTn id="1" dur="indefinite" restart="never" nodeType="tmRoot"/>
-      </p:par>
-    </p:tnLst>
-  </p:timing>
 </p:sld>
 </file>
 
@@ -14296,7 +13746,7 @@
           <a:p>
             <a:pPr algn="l" eaLnBrk="1" hangingPunct="1"/>
             <a:r>
-              <a:rPr lang="en-US" dirty="0" smtClean="0">
+              <a:rPr lang="en-US" dirty="0">
                 <a:solidFill>
                   <a:schemeClr val="bg1"/>
                 </a:solidFill>
@@ -14428,7 +13878,7 @@
           <a:p>
             <a:pPr algn="ctr"/>
             <a:r>
-              <a:rPr lang="en-US" sz="500" dirty="0" smtClean="0">
+              <a:rPr lang="en-US" sz="500" dirty="0">
                 <a:solidFill>
                   <a:schemeClr val="bg1">
                     <a:lumMod val="65000"/>
@@ -14438,7 +13888,7 @@
               <a:t>© Copyright 2000-</a:t>
             </a:r>
             <a:r>
-              <a:rPr lang="is-IS" sz="500" dirty="0" smtClean="0">
+              <a:rPr lang="is-IS" sz="500" dirty="0">
                 <a:solidFill>
                   <a:schemeClr val="bg1">
                     <a:lumMod val="65000"/>
@@ -14448,7 +13898,7 @@
               <a:t>2017</a:t>
             </a:r>
             <a:r>
-              <a:rPr lang="en-US" sz="500" dirty="0" smtClean="0">
+              <a:rPr lang="en-US" sz="500" dirty="0">
                 <a:solidFill>
                   <a:schemeClr val="bg1">
                     <a:lumMod val="65000"/>
@@ -14457,13 +13907,6 @@
               </a:rPr>
               <a:t> TIBCO Software Inc.      </a:t>
             </a:r>
-            <a:endParaRPr lang="en-US" sz="500" dirty="0">
-              <a:solidFill>
-                <a:schemeClr val="bg1">
-                  <a:lumMod val="65000"/>
-                </a:schemeClr>
-              </a:solidFill>
-            </a:endParaRPr>
           </a:p>
         </p:txBody>
       </p:sp>
@@ -14491,10 +13934,9 @@
               <a:buNone/>
             </a:pPr>
             <a:r>
-              <a:rPr lang="en-US" dirty="0" smtClean="0"/>
+              <a:rPr lang="en-US" dirty="0"/>
               <a:t> </a:t>
             </a:r>
-            <a:endParaRPr lang="en-US" dirty="0"/>
           </a:p>
         </p:txBody>
       </p:sp>
@@ -14870,18 +14312,13 @@
                 </a:lnSpc>
               </a:pPr>
               <a:r>
-                <a:rPr lang="en-US" sz="1000" b="0" dirty="0" smtClean="0">
+                <a:rPr lang="en-US" sz="1000" b="0" dirty="0">
                   <a:solidFill>
                     <a:srgbClr val="FFFFFF"/>
                   </a:solidFill>
                 </a:rPr>
                 <a:t>Cisco Information Server</a:t>
               </a:r>
-              <a:endParaRPr lang="en-US" sz="1000" b="0" dirty="0">
-                <a:solidFill>
-                  <a:srgbClr val="FFFFFF"/>
-                </a:solidFill>
-              </a:endParaRPr>
             </a:p>
           </p:txBody>
         </p:sp>
@@ -15195,14 +14632,9 @@
               </a:spcBef>
             </a:pPr>
             <a:r>
-              <a:rPr lang="en-US" sz="1000" b="1" dirty="0" smtClean="0"/>
-              <a:t>DV Target </a:t>
+              <a:rPr lang="en-US" sz="1000" b="1" dirty="0"/>
+              <a:t>DV Target Server</a:t>
             </a:r>
-            <a:r>
-              <a:rPr lang="en-US" sz="1000" b="1" dirty="0" smtClean="0"/>
-              <a:t>Server</a:t>
-            </a:r>
-            <a:endParaRPr lang="en-US" sz="1000" b="1" dirty="0"/>
           </a:p>
         </p:txBody>
       </p:sp>
@@ -15424,14 +14856,9 @@
               </a:spcBef>
             </a:pPr>
             <a:r>
-              <a:rPr lang="en-US" sz="1000" b="1" dirty="0" smtClean="0"/>
-              <a:t>DV Source </a:t>
+              <a:rPr lang="en-US" sz="1000" b="1" dirty="0"/>
+              <a:t>DV Source Server</a:t>
             </a:r>
-            <a:r>
-              <a:rPr lang="en-US" sz="1000" b="1" dirty="0" smtClean="0"/>
-              <a:t>Server</a:t>
-            </a:r>
-            <a:endParaRPr lang="en-US" sz="1000" b="1" dirty="0"/>
           </a:p>
         </p:txBody>
       </p:sp>
@@ -15657,21 +15084,16 @@
             </a:pPr>
             <a:r>
               <a:rPr lang="en-US" sz="1000" b="1" dirty="0"/>
-              <a:t>Deployment </a:t>
+              <a:t>Deployment Server:  </a:t>
             </a:r>
             <a:r>
-              <a:rPr lang="en-US" sz="1000" b="1" dirty="0" smtClean="0"/>
-              <a:t>Server:  </a:t>
-            </a:r>
-            <a:r>
-              <a:rPr lang="en-US" sz="1000" b="1" dirty="0" err="1" smtClean="0"/>
+              <a:rPr lang="en-US" sz="1000" b="1" dirty="0" err="1"/>
               <a:t>unix</a:t>
             </a:r>
             <a:r>
-              <a:rPr lang="en-US" sz="1000" b="1" dirty="0" smtClean="0"/>
+              <a:rPr lang="en-US" sz="1000" b="1" dirty="0"/>
               <a:t>, windows</a:t>
             </a:r>
-            <a:endParaRPr lang="en-US" sz="1000" b="1" dirty="0"/>
           </a:p>
         </p:txBody>
       </p:sp>
@@ -15916,12 +15338,8 @@
                 </a:spcBef>
               </a:pPr>
               <a:r>
-                <a:rPr lang="en-US" sz="900" b="1" dirty="0" smtClean="0"/>
-                <a:t>Version Control System (VCS) </a:t>
-              </a:r>
-              <a:r>
                 <a:rPr lang="en-US" sz="900" b="1" dirty="0"/>
-                <a:t>Server</a:t>
+                <a:t>Version Control System (VCS) Server</a:t>
               </a:r>
             </a:p>
           </p:txBody>
@@ -16095,18 +15513,13 @@
               </a:spcBef>
             </a:pPr>
             <a:r>
-              <a:rPr lang="en-US" sz="700" dirty="0" smtClean="0">
+              <a:rPr lang="en-US" sz="700" dirty="0">
                 <a:solidFill>
                   <a:schemeClr val="tx1"/>
                 </a:solidFill>
               </a:rPr>
               <a:t> </a:t>
             </a:r>
-            <a:endParaRPr lang="en-US" sz="700" dirty="0">
-              <a:solidFill>
-                <a:schemeClr val="tx1"/>
-              </a:solidFill>
-            </a:endParaRPr>
           </a:p>
         </p:txBody>
       </p:sp>
@@ -16299,18 +15712,13 @@
           <a:p>
             <a:pPr algn="ctr"/>
             <a:r>
-              <a:rPr lang="en-US" dirty="0" smtClean="0">
+              <a:rPr lang="en-US" dirty="0">
                 <a:solidFill>
                   <a:schemeClr val="bg1"/>
                 </a:solidFill>
               </a:rPr>
               <a:t>DV Studio</a:t>
             </a:r>
-            <a:endParaRPr lang="en-US" dirty="0">
-              <a:solidFill>
-                <a:schemeClr val="bg1"/>
-              </a:solidFill>
-            </a:endParaRPr>
           </a:p>
         </p:txBody>
       </p:sp>
@@ -16530,18 +15938,13 @@
             <a:lstStyle/>
             <a:p>
               <a:r>
-                <a:rPr lang="en-US" sz="1050" dirty="0" smtClean="0">
+                <a:rPr lang="en-US" sz="1050" dirty="0">
                   <a:solidFill>
                     <a:srgbClr val="FFFFFF"/>
                   </a:solidFill>
                 </a:rPr>
                 <a:t>Subversion, TFS, Other..</a:t>
               </a:r>
-              <a:endParaRPr lang="en-US" sz="1050" dirty="0">
-                <a:solidFill>
-                  <a:srgbClr val="FFFFFF"/>
-                </a:solidFill>
-              </a:endParaRPr>
             </a:p>
           </p:txBody>
         </p:sp>
@@ -16763,18 +16166,13 @@
             <a:p>
               <a:pPr algn="ctr"/>
               <a:r>
-                <a:rPr lang="en-US" sz="1000" dirty="0" smtClean="0">
+                <a:rPr lang="en-US" sz="1000" dirty="0">
                   <a:solidFill>
                     <a:srgbClr val="FFFFFF"/>
                   </a:solidFill>
                 </a:rPr>
                 <a:t>Studio 1</a:t>
               </a:r>
-              <a:endParaRPr lang="en-US" sz="1000" dirty="0">
-                <a:solidFill>
-                  <a:srgbClr val="FFFFFF"/>
-                </a:solidFill>
-              </a:endParaRPr>
             </a:p>
           </p:txBody>
         </p:sp>
@@ -16996,18 +16394,13 @@
             <a:p>
               <a:pPr algn="ctr"/>
               <a:r>
-                <a:rPr lang="en-US" sz="1000" dirty="0" smtClean="0">
+                <a:rPr lang="en-US" sz="1000" dirty="0">
                   <a:solidFill>
                     <a:srgbClr val="FFFFFF"/>
                   </a:solidFill>
                 </a:rPr>
                 <a:t>Studio 2</a:t>
               </a:r>
-              <a:endParaRPr lang="en-US" sz="1000" dirty="0">
-                <a:solidFill>
-                  <a:srgbClr val="FFFFFF"/>
-                </a:solidFill>
-              </a:endParaRPr>
             </a:p>
           </p:txBody>
         </p:sp>
@@ -17229,18 +16622,13 @@
             <a:p>
               <a:pPr algn="ctr"/>
               <a:r>
-                <a:rPr lang="en-US" sz="1000" dirty="0" smtClean="0">
+                <a:rPr lang="en-US" sz="1000" dirty="0">
                   <a:solidFill>
                     <a:srgbClr val="FFFFFF"/>
                   </a:solidFill>
                 </a:rPr>
                 <a:t>Studio 3</a:t>
               </a:r>
-              <a:endParaRPr lang="en-US" sz="1000" dirty="0">
-                <a:solidFill>
-                  <a:srgbClr val="FFFFFF"/>
-                </a:solidFill>
-              </a:endParaRPr>
             </a:p>
           </p:txBody>
         </p:sp>
@@ -17617,18 +17005,13 @@
                 </a:lnSpc>
               </a:pPr>
               <a:r>
-                <a:rPr lang="en-US" sz="1050" b="0" dirty="0" smtClean="0">
+                <a:rPr lang="en-US" sz="1050" b="0" dirty="0">
                   <a:solidFill>
                     <a:srgbClr val="FFFFFF"/>
                   </a:solidFill>
                 </a:rPr>
                 <a:t>Data Virtualization</a:t>
               </a:r>
-              <a:endParaRPr lang="en-US" sz="1050" b="0" dirty="0">
-                <a:solidFill>
-                  <a:srgbClr val="FFFFFF"/>
-                </a:solidFill>
-              </a:endParaRPr>
             </a:p>
           </p:txBody>
         </p:sp>
@@ -18005,18 +17388,13 @@
                 </a:lnSpc>
               </a:pPr>
               <a:r>
-                <a:rPr lang="en-US" sz="1050" b="0" dirty="0" smtClean="0">
+                <a:rPr lang="en-US" sz="1050" b="0" dirty="0">
                   <a:solidFill>
                     <a:srgbClr val="FFFFFF"/>
                   </a:solidFill>
                 </a:rPr>
                 <a:t>Data Virtualization</a:t>
               </a:r>
-              <a:endParaRPr lang="en-US" sz="1050" b="0" dirty="0">
-                <a:solidFill>
-                  <a:srgbClr val="FFFFFF"/>
-                </a:solidFill>
-              </a:endParaRPr>
             </a:p>
           </p:txBody>
         </p:sp>
@@ -18274,18 +17652,13 @@
               <a:p>
                 <a:pPr algn="ctr"/>
                 <a:r>
-                  <a:rPr lang="en-US" sz="1000" dirty="0" smtClean="0">
+                  <a:rPr lang="en-US" sz="1000" dirty="0">
                     <a:solidFill>
                       <a:srgbClr val="000000"/>
                     </a:solidFill>
                   </a:rPr>
                   <a:t>Check-in</a:t>
                 </a:r>
-                <a:endParaRPr lang="en-US" sz="1000" dirty="0">
-                  <a:solidFill>
-                    <a:srgbClr val="000000"/>
-                  </a:solidFill>
-                </a:endParaRPr>
               </a:p>
             </p:txBody>
           </p:sp>
@@ -18634,10 +18007,9 @@
                         </a:spcBef>
                       </a:pPr>
                       <a:r>
-                        <a:rPr lang="en-US" sz="700" dirty="0" smtClean="0"/>
+                        <a:rPr lang="en-US" sz="700" dirty="0"/>
                         <a:t> </a:t>
                       </a:r>
-                      <a:endParaRPr lang="en-US" sz="700" dirty="0"/>
                     </a:p>
                   </p:txBody>
                 </p:sp>
@@ -18805,10 +18177,9 @@
                       </a:spcBef>
                     </a:pPr>
                     <a:r>
-                      <a:rPr lang="en-US" sz="700" dirty="0" smtClean="0"/>
+                      <a:rPr lang="en-US" sz="700" dirty="0"/>
                       <a:t>workspace</a:t>
                     </a:r>
-                    <a:endParaRPr lang="en-US" sz="700" dirty="0"/>
                   </a:p>
                 </p:txBody>
               </p:sp>
@@ -18900,18 +18271,13 @@
               <a:p>
                 <a:pPr algn="ctr"/>
                 <a:r>
-                  <a:rPr lang="en-US" sz="1000" dirty="0" smtClean="0">
+                  <a:rPr lang="en-US" sz="1000" dirty="0">
                     <a:solidFill>
                       <a:srgbClr val="000000"/>
                     </a:solidFill>
                   </a:rPr>
                   <a:t>VCS Check-out</a:t>
                 </a:r>
-                <a:endParaRPr lang="en-US" sz="1000" dirty="0">
-                  <a:solidFill>
-                    <a:srgbClr val="000000"/>
-                  </a:solidFill>
-                </a:endParaRPr>
               </a:p>
             </p:txBody>
           </p:sp>
@@ -18950,18 +18316,13 @@
             <a:lstStyle/>
             <a:p>
               <a:r>
-                <a:rPr lang="en-US" sz="1000" b="1" dirty="0" smtClean="0">
+                <a:rPr lang="en-US" sz="1000" b="1" dirty="0">
                   <a:solidFill>
                     <a:srgbClr val="FF0000"/>
                   </a:solidFill>
                 </a:rPr>
                 <a:t>3</a:t>
               </a:r>
-              <a:endParaRPr lang="en-US" sz="1000" b="1" dirty="0">
-                <a:solidFill>
-                  <a:srgbClr val="FF0000"/>
-                </a:solidFill>
-              </a:endParaRPr>
             </a:p>
           </p:txBody>
         </p:sp>
@@ -19405,18 +18766,13 @@
                         </a:spcBef>
                       </a:pPr>
                       <a:r>
-                        <a:rPr lang="en-US" sz="700" dirty="0" smtClean="0">
+                        <a:rPr lang="en-US" sz="700" dirty="0">
                           <a:solidFill>
                             <a:schemeClr val="tx1"/>
                           </a:solidFill>
                         </a:rPr>
                         <a:t> </a:t>
                       </a:r>
-                      <a:endParaRPr lang="en-US" sz="700" dirty="0">
-                        <a:solidFill>
-                          <a:schemeClr val="tx1"/>
-                        </a:solidFill>
-                      </a:endParaRPr>
                     </a:p>
                   </p:txBody>
                 </p:sp>
@@ -19584,10 +18940,9 @@
                       </a:spcBef>
                     </a:pPr>
                     <a:r>
-                      <a:rPr lang="en-US" sz="700" dirty="0" smtClean="0"/>
+                      <a:rPr lang="en-US" sz="700" dirty="0"/>
                       <a:t>workspace</a:t>
                     </a:r>
-                    <a:endParaRPr lang="en-US" sz="700" dirty="0"/>
                   </a:p>
                 </p:txBody>
               </p:sp>
@@ -19623,18 +18978,13 @@
                 <a:p>
                   <a:pPr algn="ctr"/>
                   <a:r>
-                    <a:rPr lang="en-US" sz="1000" dirty="0" smtClean="0">
+                    <a:rPr lang="en-US" sz="1000" dirty="0">
                       <a:solidFill>
                         <a:srgbClr val="000000"/>
                       </a:solidFill>
                     </a:rPr>
                     <a:t>VCS Check-out</a:t>
                   </a:r>
-                  <a:endParaRPr lang="en-US" sz="1000" dirty="0">
-                    <a:solidFill>
-                      <a:srgbClr val="000000"/>
-                    </a:solidFill>
-                  </a:endParaRPr>
                 </a:p>
               </p:txBody>
             </p:sp>
@@ -19674,18 +19024,13 @@
             <a:lstStyle/>
             <a:p>
               <a:r>
-                <a:rPr lang="en-US" sz="1000" b="1" dirty="0" smtClean="0">
+                <a:rPr lang="en-US" sz="1000" b="1" dirty="0">
                   <a:solidFill>
                     <a:srgbClr val="FF0000"/>
                   </a:solidFill>
                 </a:rPr>
                 <a:t>4</a:t>
               </a:r>
-              <a:endParaRPr lang="en-US" sz="1000" b="1" dirty="0">
-                <a:solidFill>
-                  <a:srgbClr val="FF0000"/>
-                </a:solidFill>
-              </a:endParaRPr>
             </a:p>
           </p:txBody>
         </p:sp>
@@ -19946,14 +19291,14 @@
                 <a:p>
                   <a:pPr eaLnBrk="1" hangingPunct="1"/>
                   <a:r>
-                    <a:rPr lang="en-US" sz="1200" dirty="0" smtClean="0">
+                    <a:rPr lang="en-US" sz="1200" dirty="0">
                       <a:solidFill>
                         <a:srgbClr val="000000"/>
                       </a:solidFill>
                     </a:rPr>
                     <a:t>PDTool</a:t>
                   </a:r>
-                  <a:endParaRPr lang="en-US" sz="600" dirty="0" smtClean="0">
+                  <a:endParaRPr lang="en-US" sz="600" dirty="0">
                     <a:solidFill>
                       <a:srgbClr val="000000"/>
                     </a:solidFill>
@@ -19962,18 +19307,13 @@
                 <a:p>
                   <a:pPr eaLnBrk="1" hangingPunct="1"/>
                   <a:r>
-                    <a:rPr lang="en-US" sz="700" dirty="0" smtClean="0">
+                    <a:rPr lang="en-US" sz="700" dirty="0">
                       <a:solidFill>
                         <a:srgbClr val="000000"/>
                       </a:solidFill>
                     </a:rPr>
                     <a:t>Deploy </a:t>
                   </a:r>
-                  <a:endParaRPr lang="en-US" sz="700" dirty="0">
-                    <a:solidFill>
-                      <a:srgbClr val="000000"/>
-                    </a:solidFill>
-                  </a:endParaRPr>
                 </a:p>
                 <a:p>
                   <a:pPr eaLnBrk="1" hangingPunct="1"/>
@@ -20075,18 +19415,13 @@
             <a:p>
               <a:pPr algn="ctr"/>
               <a:r>
-                <a:rPr lang="en-US" sz="1100" dirty="0" smtClean="0">
+                <a:rPr lang="en-US" sz="1100" dirty="0">
                   <a:solidFill>
                     <a:srgbClr val="000000"/>
                   </a:solidFill>
                 </a:rPr>
                 <a:t>PDTool Studio</a:t>
               </a:r>
-              <a:endParaRPr lang="en-US" sz="1100" dirty="0">
-                <a:solidFill>
-                  <a:srgbClr val="000000"/>
-                </a:solidFill>
-              </a:endParaRPr>
             </a:p>
           </p:txBody>
         </p:sp>
@@ -20231,7 +19566,7 @@
             <a:p>
               <a:pPr algn="ctr" eaLnBrk="1" hangingPunct="1"/>
               <a:r>
-                <a:rPr lang="en-US" sz="600" dirty="0" smtClean="0">
+                <a:rPr lang="en-US" sz="600" dirty="0">
                   <a:solidFill>
                     <a:srgbClr val="000000"/>
                   </a:solidFill>
@@ -20382,7 +19717,7 @@
             <a:p>
               <a:pPr algn="ctr" eaLnBrk="1" hangingPunct="1"/>
               <a:r>
-                <a:rPr lang="en-US" sz="600" dirty="0" smtClean="0">
+                <a:rPr lang="en-US" sz="600" dirty="0">
                   <a:solidFill>
                     <a:srgbClr val="000000"/>
                   </a:solidFill>
@@ -20533,7 +19868,7 @@
             <a:p>
               <a:pPr algn="ctr" eaLnBrk="1" hangingPunct="1"/>
               <a:r>
-                <a:rPr lang="en-US" sz="600" dirty="0" smtClean="0">
+                <a:rPr lang="en-US" sz="600" dirty="0">
                   <a:solidFill>
                     <a:srgbClr val="000000"/>
                   </a:solidFill>
@@ -20785,14 +20120,14 @@
                 <a:p>
                   <a:pPr eaLnBrk="1" hangingPunct="1"/>
                   <a:r>
-                    <a:rPr lang="en-US" sz="1200" dirty="0" smtClean="0">
+                    <a:rPr lang="en-US" sz="1200" dirty="0">
                       <a:solidFill>
                         <a:srgbClr val="000000"/>
                       </a:solidFill>
                     </a:rPr>
                     <a:t>PDTool</a:t>
                   </a:r>
-                  <a:endParaRPr lang="en-US" sz="600" dirty="0" smtClean="0">
+                  <a:endParaRPr lang="en-US" sz="600" dirty="0">
                     <a:solidFill>
                       <a:srgbClr val="000000"/>
                     </a:solidFill>
@@ -20801,18 +20136,13 @@
                 <a:p>
                   <a:pPr eaLnBrk="1" hangingPunct="1"/>
                   <a:r>
-                    <a:rPr lang="en-US" sz="700" dirty="0" smtClean="0">
+                    <a:rPr lang="en-US" sz="700" dirty="0">
                       <a:solidFill>
                         <a:srgbClr val="000000"/>
                       </a:solidFill>
                     </a:rPr>
                     <a:t>Deploy </a:t>
                   </a:r>
-                  <a:endParaRPr lang="en-US" sz="700" dirty="0">
-                    <a:solidFill>
-                      <a:srgbClr val="000000"/>
-                    </a:solidFill>
-                  </a:endParaRPr>
                 </a:p>
                 <a:p>
                   <a:pPr eaLnBrk="1" hangingPunct="1"/>
@@ -21147,18 +20477,13 @@
                     </a:spcBef>
                   </a:pPr>
                   <a:r>
-                    <a:rPr lang="en-US" sz="700" dirty="0" smtClean="0">
+                    <a:rPr lang="en-US" sz="700" dirty="0">
                       <a:solidFill>
                         <a:schemeClr val="tx1"/>
                       </a:solidFill>
                     </a:rPr>
                     <a:t> </a:t>
                   </a:r>
-                  <a:endParaRPr lang="en-US" sz="700" dirty="0">
-                    <a:solidFill>
-                      <a:schemeClr val="tx1"/>
-                    </a:solidFill>
-                  </a:endParaRPr>
                 </a:p>
               </p:txBody>
             </p:sp>
@@ -21245,18 +20570,13 @@
               <a:p>
                 <a:pPr algn="ctr"/>
                 <a:r>
-                  <a:rPr lang="en-US" sz="1000" dirty="0" smtClean="0">
+                  <a:rPr lang="en-US" sz="1000" dirty="0">
                     <a:solidFill>
                       <a:srgbClr val="000000"/>
                     </a:solidFill>
                   </a:rPr>
                   <a:t>Export Import</a:t>
                 </a:r>
-                <a:endParaRPr lang="en-US" sz="1000" dirty="0">
-                  <a:solidFill>
-                    <a:srgbClr val="000000"/>
-                  </a:solidFill>
-                </a:endParaRPr>
               </a:p>
             </p:txBody>
           </p:sp>
@@ -21295,18 +20615,13 @@
             <a:lstStyle/>
             <a:p>
               <a:r>
-                <a:rPr lang="en-US" sz="1000" b="1" dirty="0" smtClean="0">
+                <a:rPr lang="en-US" sz="1000" b="1" dirty="0">
                   <a:solidFill>
                     <a:srgbClr val="FF0000"/>
                   </a:solidFill>
                 </a:rPr>
                 <a:t>1</a:t>
               </a:r>
-              <a:endParaRPr lang="en-US" sz="1000" b="1" dirty="0">
-                <a:solidFill>
-                  <a:srgbClr val="FF0000"/>
-                </a:solidFill>
-              </a:endParaRPr>
             </a:p>
           </p:txBody>
         </p:sp>
@@ -21499,7 +20814,7 @@
               </a:buClr>
             </a:pPr>
             <a:r>
-              <a:rPr lang="en-US" sz="1600" dirty="0" smtClean="0">
+              <a:rPr lang="en-US" sz="1600" dirty="0">
                 <a:ea typeface="ＭＳ Ｐゴシック" pitchFamily="34" charset="-128"/>
               </a:rPr>
               <a:t>Scenario 1</a:t>
@@ -21512,7 +20827,7 @@
               </a:buClr>
             </a:pPr>
             <a:r>
-              <a:rPr lang="en-US" sz="1400" dirty="0" smtClean="0">
+              <a:rPr lang="en-US" sz="1400" dirty="0">
                 <a:ea typeface="ＭＳ Ｐゴシック" pitchFamily="34" charset="-128"/>
               </a:rPr>
               <a:t> Archive (.car) file based deployment between source and target server.  Scripts executed on target server.</a:t>
@@ -21525,7 +20840,7 @@
               </a:buClr>
             </a:pPr>
             <a:r>
-              <a:rPr lang="en-US" sz="1600" dirty="0" smtClean="0">
+              <a:rPr lang="en-US" sz="1600" dirty="0">
                 <a:ea typeface="ＭＳ Ｐゴシック" pitchFamily="34" charset="-128"/>
               </a:rPr>
               <a:t>Scenario 2</a:t>
@@ -21541,13 +20856,7 @@
               <a:rPr lang="en-US" sz="1400" dirty="0">
                 <a:ea typeface="ＭＳ Ｐゴシック" pitchFamily="34" charset="-128"/>
               </a:rPr>
-              <a:t> </a:t>
-            </a:r>
-            <a:r>
-              <a:rPr lang="en-US" sz="1400" dirty="0" smtClean="0">
-                <a:ea typeface="ＭＳ Ｐゴシック" pitchFamily="34" charset="-128"/>
-              </a:rPr>
-              <a:t>Developer checks in resources to VCS</a:t>
+              <a:t> Developer checks in resources to VCS</a:t>
             </a:r>
           </a:p>
           <a:p>
@@ -21557,7 +20866,7 @@
               </a:buClr>
             </a:pPr>
             <a:r>
-              <a:rPr lang="en-US" sz="1600" dirty="0" smtClean="0">
+              <a:rPr lang="en-US" sz="1600" dirty="0">
                 <a:ea typeface="ＭＳ Ｐゴシック" pitchFamily="34" charset="-128"/>
               </a:rPr>
               <a:t>Scenario 3</a:t>
@@ -21570,7 +20879,7 @@
               </a:buClr>
             </a:pPr>
             <a:r>
-              <a:rPr lang="en-US" sz="1400" dirty="0" smtClean="0">
+              <a:rPr lang="en-US" sz="1400" dirty="0">
                 <a:ea typeface="ＭＳ Ｐゴシック" pitchFamily="34" charset="-128"/>
               </a:rPr>
               <a:t> VCS based deployment.  Scripts executed on target CIS server.</a:t>
@@ -21583,7 +20892,7 @@
               </a:buClr>
             </a:pPr>
             <a:r>
-              <a:rPr lang="en-US" sz="1600" dirty="0" smtClean="0">
+              <a:rPr lang="en-US" sz="1600" dirty="0">
                 <a:ea typeface="ＭＳ Ｐゴシック" pitchFamily="34" charset="-128"/>
               </a:rPr>
               <a:t>Scenario 4</a:t>
@@ -21596,14 +20905,11 @@
               </a:buClr>
             </a:pPr>
             <a:r>
-              <a:rPr lang="en-US" sz="1400" dirty="0" smtClean="0">
+              <a:rPr lang="en-US" sz="1400" dirty="0">
                 <a:ea typeface="ＭＳ Ｐゴシック" pitchFamily="34" charset="-128"/>
               </a:rPr>
               <a:t> VCS-based deployment.  Scripts executed on deployment server.</a:t>
             </a:r>
-            <a:endParaRPr lang="en-US" sz="1400" dirty="0">
-              <a:ea typeface="ＭＳ Ｐゴシック" pitchFamily="34" charset="-128"/>
-            </a:endParaRPr>
           </a:p>
         </p:txBody>
       </p:sp>
@@ -22334,10 +21640,9 @@
               <a:buNone/>
             </a:pPr>
             <a:r>
-              <a:rPr lang="en-US" smtClean="0"/>
+              <a:rPr lang="en-US"/>
               <a:t> </a:t>
             </a:r>
-            <a:endParaRPr lang="en-US"/>
           </a:p>
         </p:txBody>
       </p:sp>
@@ -22363,7 +21668,7 @@
           <a:p>
             <a:pPr algn="l" eaLnBrk="1" hangingPunct="1"/>
             <a:r>
-              <a:rPr lang="en-US" dirty="0" smtClean="0">
+              <a:rPr lang="en-US" dirty="0">
                 <a:solidFill>
                   <a:schemeClr val="bg1"/>
                 </a:solidFill>
@@ -22495,7 +21800,7 @@
           <a:p>
             <a:pPr algn="ctr"/>
             <a:r>
-              <a:rPr lang="en-US" sz="800" dirty="0" smtClean="0">
+              <a:rPr lang="en-US" sz="800" dirty="0">
                 <a:solidFill>
                   <a:schemeClr val="bg1">
                     <a:lumMod val="65000"/>
@@ -22505,7 +21810,7 @@
               <a:t>© Copyright 2000-</a:t>
             </a:r>
             <a:r>
-              <a:rPr lang="is-IS" sz="800" dirty="0" smtClean="0">
+              <a:rPr lang="is-IS" sz="800" dirty="0">
                 <a:solidFill>
                   <a:schemeClr val="bg1">
                     <a:lumMod val="65000"/>
@@ -22515,7 +21820,7 @@
               <a:t>2017</a:t>
             </a:r>
             <a:r>
-              <a:rPr lang="en-US" sz="800" dirty="0" smtClean="0">
+              <a:rPr lang="en-US" sz="800" dirty="0">
                 <a:solidFill>
                   <a:schemeClr val="bg1">
                     <a:lumMod val="65000"/>
@@ -22524,13 +21829,6 @@
               </a:rPr>
               <a:t> TIBCO Software Inc.      </a:t>
             </a:r>
-            <a:endParaRPr lang="en-US" sz="800" dirty="0">
-              <a:solidFill>
-                <a:schemeClr val="bg1">
-                  <a:lumMod val="65000"/>
-                </a:schemeClr>
-              </a:solidFill>
-            </a:endParaRPr>
           </a:p>
         </p:txBody>
       </p:sp>
@@ -22699,7 +21997,7 @@
               </a:lnSpc>
               <a:defRPr/>
             </a:pPr>
-            <a:endParaRPr lang="en-US" smtClean="0"/>
+            <a:endParaRPr lang="en-US"/>
           </a:p>
           <a:p>
             <a:pPr>
@@ -22708,7 +22006,7 @@
               </a:lnSpc>
               <a:defRPr/>
             </a:pPr>
-            <a:endParaRPr lang="en-US" smtClean="0"/>
+            <a:endParaRPr lang="en-US"/>
           </a:p>
           <a:p>
             <a:pPr lvl="1">
@@ -22717,7 +22015,7 @@
               </a:lnSpc>
               <a:defRPr/>
             </a:pPr>
-            <a:endParaRPr lang="en-US" dirty="0" smtClean="0"/>
+            <a:endParaRPr lang="en-US" dirty="0"/>
           </a:p>
         </p:txBody>
       </p:sp>
@@ -22746,13 +22044,55 @@
                 <a:tableStyleId>{5C22544A-7EE6-4342-B048-85BDC9FD1C3A}</a:tableStyleId>
               </a:tblPr>
               <a:tblGrid>
-                <a:gridCol w="1196504"/>
-                <a:gridCol w="1014794"/>
-                <a:gridCol w="967444"/>
-                <a:gridCol w="1174753"/>
-                <a:gridCol w="1065980"/>
-                <a:gridCol w="1145319"/>
-                <a:gridCol w="1036547"/>
+                <a:gridCol w="1196504">
+                  <a:extLst>
+                    <a:ext uri="{9D8B030D-6E8A-4147-A177-3AD203B41FA5}">
+                      <a16:colId xmlns:a16="http://schemas.microsoft.com/office/drawing/2014/main" val="20000"/>
+                    </a:ext>
+                  </a:extLst>
+                </a:gridCol>
+                <a:gridCol w="1014794">
+                  <a:extLst>
+                    <a:ext uri="{9D8B030D-6E8A-4147-A177-3AD203B41FA5}">
+                      <a16:colId xmlns:a16="http://schemas.microsoft.com/office/drawing/2014/main" val="20001"/>
+                    </a:ext>
+                  </a:extLst>
+                </a:gridCol>
+                <a:gridCol w="967444">
+                  <a:extLst>
+                    <a:ext uri="{9D8B030D-6E8A-4147-A177-3AD203B41FA5}">
+                      <a16:colId xmlns:a16="http://schemas.microsoft.com/office/drawing/2014/main" val="20002"/>
+                    </a:ext>
+                  </a:extLst>
+                </a:gridCol>
+                <a:gridCol w="1174753">
+                  <a:extLst>
+                    <a:ext uri="{9D8B030D-6E8A-4147-A177-3AD203B41FA5}">
+                      <a16:colId xmlns:a16="http://schemas.microsoft.com/office/drawing/2014/main" val="20003"/>
+                    </a:ext>
+                  </a:extLst>
+                </a:gridCol>
+                <a:gridCol w="1065980">
+                  <a:extLst>
+                    <a:ext uri="{9D8B030D-6E8A-4147-A177-3AD203B41FA5}">
+                      <a16:colId xmlns:a16="http://schemas.microsoft.com/office/drawing/2014/main" val="20004"/>
+                    </a:ext>
+                  </a:extLst>
+                </a:gridCol>
+                <a:gridCol w="1145319">
+                  <a:extLst>
+                    <a:ext uri="{9D8B030D-6E8A-4147-A177-3AD203B41FA5}">
+                      <a16:colId xmlns:a16="http://schemas.microsoft.com/office/drawing/2014/main" val="20005"/>
+                    </a:ext>
+                  </a:extLst>
+                </a:gridCol>
+                <a:gridCol w="1036547">
+                  <a:extLst>
+                    <a:ext uri="{9D8B030D-6E8A-4147-A177-3AD203B41FA5}">
+                      <a16:colId xmlns:a16="http://schemas.microsoft.com/office/drawing/2014/main" val="20006"/>
+                    </a:ext>
+                  </a:extLst>
+                </a:gridCol>
               </a:tblGrid>
               <a:tr h="320613">
                 <a:tc>
@@ -22771,10 +22111,9 @@
                     <a:lstStyle/>
                     <a:p>
                       <a:r>
-                        <a:rPr lang="en-US" sz="1100" dirty="0" smtClean="0"/>
+                        <a:rPr lang="en-US" sz="1100" dirty="0"/>
                         <a:t>DEV</a:t>
                       </a:r>
-                      <a:endParaRPr lang="en-US" sz="1100" dirty="0"/>
                     </a:p>
                   </a:txBody>
                   <a:tcPr marL="121888" marR="121888"/>
@@ -22785,10 +22124,9 @@
                     <a:lstStyle/>
                     <a:p>
                       <a:r>
-                        <a:rPr lang="en-US" sz="1100" dirty="0" smtClean="0"/>
+                        <a:rPr lang="en-US" sz="1100" dirty="0"/>
                         <a:t>CIT</a:t>
                       </a:r>
-                      <a:endParaRPr lang="en-US" sz="1100" dirty="0"/>
                     </a:p>
                   </a:txBody>
                   <a:tcPr marL="121888" marR="121888"/>
@@ -22799,10 +22137,9 @@
                     <a:lstStyle/>
                     <a:p>
                       <a:r>
-                        <a:rPr lang="en-US" sz="1100" dirty="0" smtClean="0"/>
+                        <a:rPr lang="en-US" sz="1100" dirty="0"/>
                         <a:t>SIT</a:t>
                       </a:r>
-                      <a:endParaRPr lang="en-US" sz="1100" dirty="0"/>
                     </a:p>
                   </a:txBody>
                   <a:tcPr marL="121888" marR="121888"/>
@@ -22813,10 +22150,9 @@
                     <a:lstStyle/>
                     <a:p>
                       <a:r>
-                        <a:rPr lang="en-US" sz="1100" dirty="0" smtClean="0"/>
+                        <a:rPr lang="en-US" sz="1100" dirty="0"/>
                         <a:t>UAT</a:t>
                       </a:r>
-                      <a:endParaRPr lang="en-US" sz="1100" dirty="0"/>
                     </a:p>
                   </a:txBody>
                   <a:tcPr marL="121888" marR="121888"/>
@@ -22827,10 +22163,9 @@
                     <a:lstStyle/>
                     <a:p>
                       <a:r>
-                        <a:rPr lang="en-US" sz="1100" dirty="0" smtClean="0"/>
+                        <a:rPr lang="en-US" sz="1100" dirty="0"/>
                         <a:t>TT</a:t>
                       </a:r>
-                      <a:endParaRPr lang="en-US" sz="1100" dirty="0"/>
                     </a:p>
                   </a:txBody>
                   <a:tcPr marL="121888" marR="121888"/>
@@ -22841,14 +22176,18 @@
                     <a:lstStyle/>
                     <a:p>
                       <a:r>
-                        <a:rPr lang="en-US" sz="1100" dirty="0" smtClean="0"/>
+                        <a:rPr lang="en-US" sz="1100" dirty="0"/>
                         <a:t>PROD</a:t>
                       </a:r>
-                      <a:endParaRPr lang="en-US" sz="1100" dirty="0"/>
                     </a:p>
                   </a:txBody>
                   <a:tcPr marL="121888" marR="121888"/>
                 </a:tc>
+                <a:extLst>
+                  <a:ext uri="{0D108BD9-81ED-4DB2-BD59-A6C34878D82A}">
+                    <a16:rowId xmlns:a16="http://schemas.microsoft.com/office/drawing/2014/main" val="10000"/>
+                  </a:ext>
+                </a:extLst>
               </a:tr>
               <a:tr h="398532">
                 <a:tc>
@@ -22857,10 +22196,9 @@
                     <a:lstStyle/>
                     <a:p>
                       <a:r>
-                        <a:rPr lang="en-US" sz="1100" dirty="0" smtClean="0"/>
+                        <a:rPr lang="en-US" sz="1100" dirty="0"/>
                         <a:t>Developer</a:t>
                       </a:r>
-                      <a:endParaRPr lang="en-US" sz="1100" dirty="0"/>
                     </a:p>
                   </a:txBody>
                   <a:tcPr marL="121888" marR="121888"/>
@@ -22871,10 +22209,9 @@
                     <a:lstStyle/>
                     <a:p>
                       <a:r>
-                        <a:rPr lang="en-US" sz="1000" dirty="0" smtClean="0"/>
+                        <a:rPr lang="en-US" sz="1000" dirty="0"/>
                         <a:t>VCS Check-in</a:t>
                       </a:r>
-                      <a:endParaRPr lang="en-US" sz="1000" dirty="0"/>
                     </a:p>
                   </a:txBody>
                   <a:tcPr marL="121888" marR="121888"/>
@@ -22929,6 +22266,11 @@
                   </a:txBody>
                   <a:tcPr marL="121888" marR="121888"/>
                 </a:tc>
+                <a:extLst>
+                  <a:ext uri="{0D108BD9-81ED-4DB2-BD59-A6C34878D82A}">
+                    <a16:rowId xmlns:a16="http://schemas.microsoft.com/office/drawing/2014/main" val="10001"/>
+                  </a:ext>
+                </a:extLst>
               </a:tr>
               <a:tr h="398532">
                 <a:tc>
@@ -22937,11 +22279,11 @@
                     <a:lstStyle/>
                     <a:p>
                       <a:r>
-                        <a:rPr lang="en-US" sz="1100" dirty="0" smtClean="0"/>
+                        <a:rPr lang="en-US" sz="1100" dirty="0"/>
                         <a:t>VCS</a:t>
                       </a:r>
                       <a:r>
-                        <a:rPr lang="en-US" sz="1100" baseline="0" dirty="0" smtClean="0"/>
+                        <a:rPr lang="en-US" sz="1100" baseline="0" dirty="0"/>
                         <a:t> Admin</a:t>
                       </a:r>
                       <a:endParaRPr lang="en-US" sz="1100" dirty="0"/>
@@ -22955,10 +22297,9 @@
                     <a:lstStyle/>
                     <a:p>
                       <a:r>
-                        <a:rPr lang="en-US" sz="1000" dirty="0" smtClean="0"/>
+                        <a:rPr lang="en-US" sz="1000" dirty="0"/>
                         <a:t>Prepare Release</a:t>
                       </a:r>
-                      <a:endParaRPr lang="en-US" sz="1000" dirty="0"/>
                     </a:p>
                   </a:txBody>
                   <a:tcPr marL="121888" marR="121888"/>
@@ -23013,6 +22354,11 @@
                   </a:txBody>
                   <a:tcPr marL="121888" marR="121888"/>
                 </a:tc>
+                <a:extLst>
+                  <a:ext uri="{0D108BD9-81ED-4DB2-BD59-A6C34878D82A}">
+                    <a16:rowId xmlns:a16="http://schemas.microsoft.com/office/drawing/2014/main" val="10002"/>
+                  </a:ext>
+                </a:extLst>
               </a:tr>
               <a:tr h="876770">
                 <a:tc>
@@ -23021,10 +22367,9 @@
                     <a:lstStyle/>
                     <a:p>
                       <a:r>
-                        <a:rPr lang="en-US" sz="1100" dirty="0" smtClean="0"/>
+                        <a:rPr lang="en-US" sz="1100" dirty="0"/>
                         <a:t>Architect</a:t>
                       </a:r>
-                      <a:endParaRPr lang="en-US" sz="1100" dirty="0"/>
                     </a:p>
                   </a:txBody>
                   <a:tcPr marL="121888" marR="121888"/>
@@ -23035,17 +22380,17 @@
                     <a:lstStyle/>
                     <a:p>
                       <a:r>
-                        <a:rPr lang="en-US" sz="1000" dirty="0" smtClean="0"/>
+                        <a:rPr lang="en-US" sz="1000" dirty="0"/>
                         <a:t>- Develop</a:t>
                       </a:r>
                       <a:r>
-                        <a:rPr lang="en-US" sz="1000" baseline="0" dirty="0" smtClean="0"/>
+                        <a:rPr lang="en-US" sz="1000" baseline="0" dirty="0"/>
                         <a:t> Deployment Plans</a:t>
                       </a:r>
                     </a:p>
                     <a:p>
                       <a:r>
-                        <a:rPr lang="en-US" sz="1000" baseline="0" dirty="0" smtClean="0"/>
+                        <a:rPr lang="en-US" sz="1000" baseline="0" dirty="0"/>
                         <a:t>- Execute Smoke Test</a:t>
                       </a:r>
                       <a:endParaRPr lang="en-US" sz="1000" dirty="0"/>
@@ -23063,7 +22408,7 @@
                         <a:buNone/>
                       </a:pPr>
                       <a:r>
-                        <a:rPr lang="en-US" sz="1000" dirty="0" smtClean="0"/>
+                        <a:rPr lang="en-US" sz="1000" dirty="0"/>
                         <a:t>- Execute Deployment</a:t>
                       </a:r>
                     </a:p>
@@ -23073,10 +22418,9 @@
                         <a:buNone/>
                       </a:pPr>
                       <a:r>
-                        <a:rPr lang="en-US" sz="1000" dirty="0" smtClean="0"/>
+                        <a:rPr lang="en-US" sz="1000" dirty="0"/>
                         <a:t>- Execute Smoke Test</a:t>
                       </a:r>
-                      <a:endParaRPr lang="en-US" sz="1000" dirty="0"/>
                     </a:p>
                   </a:txBody>
                   <a:tcPr marL="121888" marR="121888"/>
@@ -23104,16 +22448,15 @@
                         <a:defRPr/>
                       </a:pPr>
                       <a:r>
-                        <a:rPr lang="en-US" sz="1000" dirty="0" smtClean="0"/>
+                        <a:rPr lang="en-US" sz="1000" dirty="0"/>
                         <a:t>- Execute Deployment</a:t>
                       </a:r>
                     </a:p>
                     <a:p>
                       <a:r>
-                        <a:rPr lang="en-US" sz="1000" dirty="0" smtClean="0"/>
+                        <a:rPr lang="en-US" sz="1000" dirty="0"/>
                         <a:t>- Execute Smoke Test</a:t>
                       </a:r>
-                      <a:endParaRPr lang="en-US" sz="1000" dirty="0"/>
                     </a:p>
                   </a:txBody>
                   <a:tcPr marL="121888" marR="121888"/>
@@ -23148,6 +22491,11 @@
                   </a:txBody>
                   <a:tcPr marL="121888" marR="121888"/>
                 </a:tc>
+                <a:extLst>
+                  <a:ext uri="{0D108BD9-81ED-4DB2-BD59-A6C34878D82A}">
+                    <a16:rowId xmlns:a16="http://schemas.microsoft.com/office/drawing/2014/main" val="10003"/>
+                  </a:ext>
+                </a:extLst>
               </a:tr>
               <a:tr h="717357">
                 <a:tc>
@@ -23156,20 +22504,16 @@
                     <a:lstStyle/>
                     <a:p>
                       <a:r>
-                        <a:rPr lang="en-US" sz="1100" dirty="0" smtClean="0"/>
+                        <a:rPr lang="en-US" sz="1100" dirty="0"/>
                         <a:t>Deployment</a:t>
                       </a:r>
                       <a:r>
-                        <a:rPr lang="en-US" sz="1100" baseline="0" dirty="0" smtClean="0"/>
+                        <a:rPr lang="en-US" sz="1100" baseline="0" dirty="0"/>
                         <a:t> Manager </a:t>
                       </a:r>
                       <a:r>
-                        <a:rPr lang="en-US" sz="1050" baseline="0" dirty="0" smtClean="0"/>
-                        <a:t>(DV Admin</a:t>
-                      </a:r>
-                      <a:r>
-                        <a:rPr lang="en-US" sz="1050" baseline="0" dirty="0" smtClean="0"/>
-                        <a:t>)</a:t>
+                        <a:rPr lang="en-US" sz="1050" baseline="0" dirty="0"/>
+                        <a:t>(DV Admin)</a:t>
                       </a:r>
                       <a:endParaRPr lang="en-US" sz="1050" dirty="0"/>
                     </a:p>
@@ -23229,7 +22573,7 @@
                         <a:defRPr/>
                       </a:pPr>
                       <a:r>
-                        <a:rPr lang="en-US" sz="1000" dirty="0" smtClean="0"/>
+                        <a:rPr lang="en-US" sz="1000" dirty="0"/>
                         <a:t>- Execute Deployment</a:t>
                       </a:r>
                     </a:p>
@@ -23252,7 +22596,7 @@
                         <a:defRPr/>
                       </a:pPr>
                       <a:r>
-                        <a:rPr lang="en-US" sz="1000" dirty="0" smtClean="0"/>
+                        <a:rPr lang="en-US" sz="1000" dirty="0"/>
                         <a:t>- Execute Smoke Test</a:t>
                       </a:r>
                     </a:p>
@@ -23282,7 +22626,7 @@
                         <a:defRPr/>
                       </a:pPr>
                       <a:r>
-                        <a:rPr lang="en-US" sz="1000" dirty="0" smtClean="0"/>
+                        <a:rPr lang="en-US" sz="1000" dirty="0"/>
                         <a:t>- Execute Deployment</a:t>
                       </a:r>
                     </a:p>
@@ -23305,7 +22649,7 @@
                         <a:defRPr/>
                       </a:pPr>
                       <a:r>
-                        <a:rPr lang="en-US" sz="1000" dirty="0" smtClean="0"/>
+                        <a:rPr lang="en-US" sz="1000" dirty="0"/>
                         <a:t>- Execute Smoke Test</a:t>
                       </a:r>
                     </a:p>
@@ -23335,7 +22679,7 @@
                         <a:defRPr/>
                       </a:pPr>
                       <a:r>
-                        <a:rPr lang="en-US" sz="1000" dirty="0" smtClean="0"/>
+                        <a:rPr lang="en-US" sz="1000" dirty="0"/>
                         <a:t>- Execute Deployment</a:t>
                       </a:r>
                     </a:p>
@@ -23358,13 +22702,18 @@
                         <a:defRPr/>
                       </a:pPr>
                       <a:r>
-                        <a:rPr lang="en-US" sz="1000" dirty="0" smtClean="0"/>
+                        <a:rPr lang="en-US" sz="1000" dirty="0"/>
                         <a:t>- Execute Smoke Test</a:t>
                       </a:r>
                     </a:p>
                   </a:txBody>
                   <a:tcPr marL="121888" marR="121888"/>
                 </a:tc>
+                <a:extLst>
+                  <a:ext uri="{0D108BD9-81ED-4DB2-BD59-A6C34878D82A}">
+                    <a16:rowId xmlns:a16="http://schemas.microsoft.com/office/drawing/2014/main" val="10004"/>
+                  </a:ext>
+                </a:extLst>
               </a:tr>
               <a:tr h="876770">
                 <a:tc>
@@ -23373,10 +22722,9 @@
                     <a:lstStyle/>
                     <a:p>
                       <a:r>
-                        <a:rPr lang="en-US" sz="1100" dirty="0" smtClean="0"/>
+                        <a:rPr lang="en-US" sz="1100" dirty="0"/>
                         <a:t>Tester/QA</a:t>
                       </a:r>
-                      <a:endParaRPr lang="en-US" sz="1100" dirty="0"/>
                     </a:p>
                   </a:txBody>
                   <a:tcPr marL="121888" marR="121888"/>
@@ -23424,15 +22772,15 @@
                         <a:defRPr/>
                       </a:pPr>
                       <a:r>
-                        <a:rPr lang="en-US" sz="1000" dirty="0" smtClean="0"/>
+                        <a:rPr lang="en-US" sz="1000" dirty="0"/>
                         <a:t>Execute</a:t>
                       </a:r>
                       <a:r>
-                        <a:rPr lang="en-US" sz="1000" baseline="0" dirty="0" smtClean="0"/>
+                        <a:rPr lang="en-US" sz="1000" baseline="0" dirty="0"/>
                         <a:t> </a:t>
                       </a:r>
                       <a:r>
-                        <a:rPr lang="en-US" sz="1000" dirty="0" smtClean="0"/>
+                        <a:rPr lang="en-US" sz="1000" dirty="0"/>
                         <a:t>Functional, Security &amp; Regression Tests</a:t>
                       </a:r>
                     </a:p>
@@ -23455,10 +22803,9 @@
                     <a:lstStyle/>
                     <a:p>
                       <a:r>
-                        <a:rPr lang="en-US" sz="1000" dirty="0" smtClean="0"/>
+                        <a:rPr lang="en-US" sz="1000" dirty="0"/>
                         <a:t>Execute Performance Test</a:t>
                       </a:r>
-                      <a:endParaRPr lang="en-US" sz="1000" dirty="0"/>
                     </a:p>
                   </a:txBody>
                   <a:tcPr marL="121888" marR="121888"/>
@@ -23473,6 +22820,11 @@
                   </a:txBody>
                   <a:tcPr marL="121888" marR="121888"/>
                 </a:tc>
+                <a:extLst>
+                  <a:ext uri="{0D108BD9-81ED-4DB2-BD59-A6C34878D82A}">
+                    <a16:rowId xmlns:a16="http://schemas.microsoft.com/office/drawing/2014/main" val="10005"/>
+                  </a:ext>
+                </a:extLst>
               </a:tr>
               <a:tr h="398532">
                 <a:tc>
@@ -23481,10 +22833,9 @@
                     <a:lstStyle/>
                     <a:p>
                       <a:r>
-                        <a:rPr lang="en-US" sz="1100" dirty="0" smtClean="0"/>
+                        <a:rPr lang="en-US" sz="1100" dirty="0"/>
                         <a:t>User</a:t>
                       </a:r>
-                      <a:endParaRPr lang="en-US" sz="1100" dirty="0"/>
                     </a:p>
                   </a:txBody>
                   <a:tcPr marL="121888" marR="121888"/>
@@ -23525,10 +22876,9 @@
                     <a:lstStyle/>
                     <a:p>
                       <a:r>
-                        <a:rPr lang="en-US" sz="1000" dirty="0" smtClean="0"/>
+                        <a:rPr lang="en-US" sz="1000" dirty="0"/>
                         <a:t>Acceptance Testing</a:t>
                       </a:r>
-                      <a:endParaRPr lang="en-US" sz="1000" dirty="0"/>
                     </a:p>
                   </a:txBody>
                   <a:tcPr marL="121888" marR="121888"/>
@@ -23549,14 +22899,18 @@
                     <a:lstStyle/>
                     <a:p>
                       <a:r>
-                        <a:rPr lang="en-US" sz="1000" dirty="0" smtClean="0"/>
+                        <a:rPr lang="en-US" sz="1000" dirty="0"/>
                         <a:t>Execute Queries</a:t>
                       </a:r>
-                      <a:endParaRPr lang="en-US" sz="1000" dirty="0"/>
                     </a:p>
                   </a:txBody>
                   <a:tcPr marL="121888" marR="121888"/>
                 </a:tc>
+                <a:extLst>
+                  <a:ext uri="{0D108BD9-81ED-4DB2-BD59-A6C34878D82A}">
+                    <a16:rowId xmlns:a16="http://schemas.microsoft.com/office/drawing/2014/main" val="10006"/>
+                  </a:ext>
+                </a:extLst>
               </a:tr>
             </a:tbl>
           </a:graphicData>
@@ -23635,18 +22989,13 @@
           <a:p>
             <a:pPr algn="ctr"/>
             <a:r>
-              <a:rPr lang="en-US" b="1" dirty="0" smtClean="0">
+              <a:rPr lang="en-US" b="1" dirty="0">
                 <a:solidFill>
                   <a:srgbClr val="4F81BD"/>
                 </a:solidFill>
               </a:rPr>
               <a:t>Implied Flow</a:t>
             </a:r>
-            <a:endParaRPr lang="en-US" b="1" dirty="0">
-              <a:solidFill>
-                <a:srgbClr val="4F81BD"/>
-              </a:solidFill>
-            </a:endParaRPr>
           </a:p>
         </p:txBody>
       </p:sp>
@@ -23687,10 +23036,9 @@
             <a:lstStyle/>
             <a:p>
               <a:r>
-                <a:rPr lang="en-US" dirty="0" smtClean="0"/>
+                <a:rPr lang="en-US" dirty="0"/>
                 <a:t>Role</a:t>
               </a:r>
-              <a:endParaRPr lang="en-US" dirty="0"/>
             </a:p>
           </p:txBody>
         </p:sp>
@@ -23813,10 +23161,9 @@
             <a:lstStyle/>
             <a:p>
               <a:r>
-                <a:rPr lang="en-US" dirty="0" smtClean="0"/>
+                <a:rPr lang="en-US" dirty="0"/>
                 <a:t>Environment</a:t>
               </a:r>
-              <a:endParaRPr lang="en-US" dirty="0"/>
             </a:p>
           </p:txBody>
         </p:sp>
@@ -23912,13 +23259,6 @@
   <p:clrMapOvr>
     <a:masterClrMapping/>
   </p:clrMapOvr>
-  <p:timing>
-    <p:tnLst>
-      <p:par>
-        <p:cTn id="1" dur="indefinite" restart="never" nodeType="tmRoot"/>
-      </p:par>
-    </p:tnLst>
-  </p:timing>
 </p:sld>
 </file>
 
